--- a/设计资料/数据库.pptx
+++ b/设计资料/数据库.pptx
@@ -4,6 +4,9 @@
   <p:sldMasterIdLst>
     <p:sldMasterId id="2147483648" r:id="rId1"/>
   </p:sldMasterIdLst>
+  <p:notesMasterIdLst>
+    <p:notesMasterId r:id="rId3"/>
+  </p:notesMasterIdLst>
   <p:sldIdLst>
     <p:sldId id="256" r:id="rId2"/>
   </p:sldIdLst>
@@ -123,6 +126,439 @@
 </p:presentation>
 </file>
 
+<file path=ppt/notesMasters/notesMaster1.xml><?xml version="1.0" encoding="utf-8"?>
+<p:notesMaster xmlns:a="http://schemas.openxmlformats.org/drawingml/2006/main" xmlns:r="http://schemas.openxmlformats.org/officeDocument/2006/relationships" xmlns:p="http://schemas.openxmlformats.org/presentationml/2006/main">
+  <p:cSld>
+    <p:bg>
+      <p:bgRef idx="1001">
+        <a:schemeClr val="bg1"/>
+      </p:bgRef>
+    </p:bg>
+    <p:spTree>
+      <p:nvGrpSpPr>
+        <p:cNvPr id="1" name=""/>
+        <p:cNvGrpSpPr/>
+        <p:nvPr/>
+      </p:nvGrpSpPr>
+      <p:grpSpPr>
+        <a:xfrm>
+          <a:off x="0" y="0"/>
+          <a:ext cx="0" cy="0"/>
+          <a:chOff x="0" y="0"/>
+          <a:chExt cx="0" cy="0"/>
+        </a:xfrm>
+      </p:grpSpPr>
+      <p:sp>
+        <p:nvSpPr>
+          <p:cNvPr id="2" name="页眉占位符 1"/>
+          <p:cNvSpPr>
+            <a:spLocks noGrp="1"/>
+          </p:cNvSpPr>
+          <p:nvPr>
+            <p:ph type="hdr" sz="quarter"/>
+          </p:nvPr>
+        </p:nvSpPr>
+        <p:spPr>
+          <a:xfrm>
+            <a:off x="0" y="0"/>
+            <a:ext cx="2971800" cy="458788"/>
+          </a:xfrm>
+          <a:prstGeom prst="rect">
+            <a:avLst/>
+          </a:prstGeom>
+        </p:spPr>
+        <p:txBody>
+          <a:bodyPr vert="horz" lIns="91440" tIns="45720" rIns="91440" bIns="45720" rtlCol="0"/>
+          <a:lstStyle>
+            <a:lvl1pPr algn="l">
+              <a:defRPr sz="1200"/>
+            </a:lvl1pPr>
+          </a:lstStyle>
+          <a:p>
+            <a:endParaRPr lang="zh-CN" altLang="en-US"/>
+          </a:p>
+        </p:txBody>
+      </p:sp>
+      <p:sp>
+        <p:nvSpPr>
+          <p:cNvPr id="3" name="日期占位符 2"/>
+          <p:cNvSpPr>
+            <a:spLocks noGrp="1"/>
+          </p:cNvSpPr>
+          <p:nvPr>
+            <p:ph type="dt" idx="1"/>
+          </p:nvPr>
+        </p:nvSpPr>
+        <p:spPr>
+          <a:xfrm>
+            <a:off x="3884613" y="0"/>
+            <a:ext cx="2971800" cy="458788"/>
+          </a:xfrm>
+          <a:prstGeom prst="rect">
+            <a:avLst/>
+          </a:prstGeom>
+        </p:spPr>
+        <p:txBody>
+          <a:bodyPr vert="horz" lIns="91440" tIns="45720" rIns="91440" bIns="45720" rtlCol="0"/>
+          <a:lstStyle>
+            <a:lvl1pPr algn="r">
+              <a:defRPr sz="1200"/>
+            </a:lvl1pPr>
+          </a:lstStyle>
+          <a:p>
+            <a:fld id="{EC0AF910-1F6D-4581-910B-7B392DA41058}" type="datetimeFigureOut">
+              <a:rPr lang="zh-CN" altLang="en-US" smtClean="0"/>
+              <a:t>2019/3/12</a:t>
+            </a:fld>
+            <a:endParaRPr lang="zh-CN" altLang="en-US"/>
+          </a:p>
+        </p:txBody>
+      </p:sp>
+      <p:sp>
+        <p:nvSpPr>
+          <p:cNvPr id="4" name="幻灯片图像占位符 3"/>
+          <p:cNvSpPr>
+            <a:spLocks noGrp="1" noRot="1" noChangeAspect="1"/>
+          </p:cNvSpPr>
+          <p:nvPr>
+            <p:ph type="sldImg" idx="2"/>
+          </p:nvPr>
+        </p:nvSpPr>
+        <p:spPr>
+          <a:xfrm>
+            <a:off x="930275" y="1143000"/>
+            <a:ext cx="4997450" cy="3086100"/>
+          </a:xfrm>
+          <a:prstGeom prst="rect">
+            <a:avLst/>
+          </a:prstGeom>
+          <a:noFill/>
+          <a:ln w="12700">
+            <a:solidFill>
+              <a:prstClr val="black"/>
+            </a:solidFill>
+          </a:ln>
+        </p:spPr>
+        <p:txBody>
+          <a:bodyPr vert="horz" lIns="91440" tIns="45720" rIns="91440" bIns="45720" rtlCol="0" anchor="ctr"/>
+          <a:lstStyle/>
+          <a:p>
+            <a:endParaRPr lang="zh-CN" altLang="en-US"/>
+          </a:p>
+        </p:txBody>
+      </p:sp>
+      <p:sp>
+        <p:nvSpPr>
+          <p:cNvPr id="5" name="备注占位符 4"/>
+          <p:cNvSpPr>
+            <a:spLocks noGrp="1"/>
+          </p:cNvSpPr>
+          <p:nvPr>
+            <p:ph type="body" sz="quarter" idx="3"/>
+          </p:nvPr>
+        </p:nvSpPr>
+        <p:spPr>
+          <a:xfrm>
+            <a:off x="685800" y="4400550"/>
+            <a:ext cx="5486400" cy="3600450"/>
+          </a:xfrm>
+          <a:prstGeom prst="rect">
+            <a:avLst/>
+          </a:prstGeom>
+        </p:spPr>
+        <p:txBody>
+          <a:bodyPr vert="horz" lIns="91440" tIns="45720" rIns="91440" bIns="45720" rtlCol="0"/>
+          <a:lstStyle/>
+          <a:p>
+            <a:pPr lvl="0"/>
+            <a:r>
+              <a:rPr lang="zh-CN" altLang="en-US"/>
+              <a:t>单击此处编辑母版文本样式</a:t>
+            </a:r>
+          </a:p>
+          <a:p>
+            <a:pPr lvl="1"/>
+            <a:r>
+              <a:rPr lang="zh-CN" altLang="en-US"/>
+              <a:t>二级</a:t>
+            </a:r>
+          </a:p>
+          <a:p>
+            <a:pPr lvl="2"/>
+            <a:r>
+              <a:rPr lang="zh-CN" altLang="en-US"/>
+              <a:t>三级</a:t>
+            </a:r>
+          </a:p>
+          <a:p>
+            <a:pPr lvl="3"/>
+            <a:r>
+              <a:rPr lang="zh-CN" altLang="en-US"/>
+              <a:t>四级</a:t>
+            </a:r>
+          </a:p>
+          <a:p>
+            <a:pPr lvl="4"/>
+            <a:r>
+              <a:rPr lang="zh-CN" altLang="en-US"/>
+              <a:t>五级</a:t>
+            </a:r>
+          </a:p>
+        </p:txBody>
+      </p:sp>
+      <p:sp>
+        <p:nvSpPr>
+          <p:cNvPr id="6" name="页脚占位符 5"/>
+          <p:cNvSpPr>
+            <a:spLocks noGrp="1"/>
+          </p:cNvSpPr>
+          <p:nvPr>
+            <p:ph type="ftr" sz="quarter" idx="4"/>
+          </p:nvPr>
+        </p:nvSpPr>
+        <p:spPr>
+          <a:xfrm>
+            <a:off x="0" y="8685213"/>
+            <a:ext cx="2971800" cy="458787"/>
+          </a:xfrm>
+          <a:prstGeom prst="rect">
+            <a:avLst/>
+          </a:prstGeom>
+        </p:spPr>
+        <p:txBody>
+          <a:bodyPr vert="horz" lIns="91440" tIns="45720" rIns="91440" bIns="45720" rtlCol="0" anchor="b"/>
+          <a:lstStyle>
+            <a:lvl1pPr algn="l">
+              <a:defRPr sz="1200"/>
+            </a:lvl1pPr>
+          </a:lstStyle>
+          <a:p>
+            <a:endParaRPr lang="zh-CN" altLang="en-US"/>
+          </a:p>
+        </p:txBody>
+      </p:sp>
+      <p:sp>
+        <p:nvSpPr>
+          <p:cNvPr id="7" name="灯片编号占位符 6"/>
+          <p:cNvSpPr>
+            <a:spLocks noGrp="1"/>
+          </p:cNvSpPr>
+          <p:nvPr>
+            <p:ph type="sldNum" sz="quarter" idx="5"/>
+          </p:nvPr>
+        </p:nvSpPr>
+        <p:spPr>
+          <a:xfrm>
+            <a:off x="3884613" y="8685213"/>
+            <a:ext cx="2971800" cy="458787"/>
+          </a:xfrm>
+          <a:prstGeom prst="rect">
+            <a:avLst/>
+          </a:prstGeom>
+        </p:spPr>
+        <p:txBody>
+          <a:bodyPr vert="horz" lIns="91440" tIns="45720" rIns="91440" bIns="45720" rtlCol="0" anchor="b"/>
+          <a:lstStyle>
+            <a:lvl1pPr algn="r">
+              <a:defRPr sz="1200"/>
+            </a:lvl1pPr>
+          </a:lstStyle>
+          <a:p>
+            <a:fld id="{25E0846D-F298-40F7-98C5-1D4A70A85687}" type="slidenum">
+              <a:rPr lang="zh-CN" altLang="en-US" smtClean="0"/>
+              <a:t>‹#›</a:t>
+            </a:fld>
+            <a:endParaRPr lang="zh-CN" altLang="en-US"/>
+          </a:p>
+        </p:txBody>
+      </p:sp>
+    </p:spTree>
+    <p:extLst>
+      <p:ext uri="{BB962C8B-B14F-4D97-AF65-F5344CB8AC3E}">
+        <p14:creationId xmlns:p14="http://schemas.microsoft.com/office/powerpoint/2010/main" val="3792060554"/>
+      </p:ext>
+    </p:extLst>
+  </p:cSld>
+  <p:clrMap bg1="lt1" tx1="dk1" bg2="lt2" tx2="dk2" accent1="accent1" accent2="accent2" accent3="accent3" accent4="accent4" accent5="accent5" accent6="accent6" hlink="hlink" folHlink="folHlink"/>
+  <p:notesStyle>
+    <a:lvl1pPr marL="0" algn="l" defTabSz="914400" rtl="0" eaLnBrk="1" latinLnBrk="0" hangingPunct="1">
+      <a:defRPr sz="1200" kern="1200">
+        <a:solidFill>
+          <a:schemeClr val="tx1"/>
+        </a:solidFill>
+        <a:latin typeface="+mn-lt"/>
+        <a:ea typeface="+mn-ea"/>
+        <a:cs typeface="+mn-cs"/>
+      </a:defRPr>
+    </a:lvl1pPr>
+    <a:lvl2pPr marL="457200" algn="l" defTabSz="914400" rtl="0" eaLnBrk="1" latinLnBrk="0" hangingPunct="1">
+      <a:defRPr sz="1200" kern="1200">
+        <a:solidFill>
+          <a:schemeClr val="tx1"/>
+        </a:solidFill>
+        <a:latin typeface="+mn-lt"/>
+        <a:ea typeface="+mn-ea"/>
+        <a:cs typeface="+mn-cs"/>
+      </a:defRPr>
+    </a:lvl2pPr>
+    <a:lvl3pPr marL="914400" algn="l" defTabSz="914400" rtl="0" eaLnBrk="1" latinLnBrk="0" hangingPunct="1">
+      <a:defRPr sz="1200" kern="1200">
+        <a:solidFill>
+          <a:schemeClr val="tx1"/>
+        </a:solidFill>
+        <a:latin typeface="+mn-lt"/>
+        <a:ea typeface="+mn-ea"/>
+        <a:cs typeface="+mn-cs"/>
+      </a:defRPr>
+    </a:lvl3pPr>
+    <a:lvl4pPr marL="1371600" algn="l" defTabSz="914400" rtl="0" eaLnBrk="1" latinLnBrk="0" hangingPunct="1">
+      <a:defRPr sz="1200" kern="1200">
+        <a:solidFill>
+          <a:schemeClr val="tx1"/>
+        </a:solidFill>
+        <a:latin typeface="+mn-lt"/>
+        <a:ea typeface="+mn-ea"/>
+        <a:cs typeface="+mn-cs"/>
+      </a:defRPr>
+    </a:lvl4pPr>
+    <a:lvl5pPr marL="1828800" algn="l" defTabSz="914400" rtl="0" eaLnBrk="1" latinLnBrk="0" hangingPunct="1">
+      <a:defRPr sz="1200" kern="1200">
+        <a:solidFill>
+          <a:schemeClr val="tx1"/>
+        </a:solidFill>
+        <a:latin typeface="+mn-lt"/>
+        <a:ea typeface="+mn-ea"/>
+        <a:cs typeface="+mn-cs"/>
+      </a:defRPr>
+    </a:lvl5pPr>
+    <a:lvl6pPr marL="2286000" algn="l" defTabSz="914400" rtl="0" eaLnBrk="1" latinLnBrk="0" hangingPunct="1">
+      <a:defRPr sz="1200" kern="1200">
+        <a:solidFill>
+          <a:schemeClr val="tx1"/>
+        </a:solidFill>
+        <a:latin typeface="+mn-lt"/>
+        <a:ea typeface="+mn-ea"/>
+        <a:cs typeface="+mn-cs"/>
+      </a:defRPr>
+    </a:lvl6pPr>
+    <a:lvl7pPr marL="2743200" algn="l" defTabSz="914400" rtl="0" eaLnBrk="1" latinLnBrk="0" hangingPunct="1">
+      <a:defRPr sz="1200" kern="1200">
+        <a:solidFill>
+          <a:schemeClr val="tx1"/>
+        </a:solidFill>
+        <a:latin typeface="+mn-lt"/>
+        <a:ea typeface="+mn-ea"/>
+        <a:cs typeface="+mn-cs"/>
+      </a:defRPr>
+    </a:lvl7pPr>
+    <a:lvl8pPr marL="3200400" algn="l" defTabSz="914400" rtl="0" eaLnBrk="1" latinLnBrk="0" hangingPunct="1">
+      <a:defRPr sz="1200" kern="1200">
+        <a:solidFill>
+          <a:schemeClr val="tx1"/>
+        </a:solidFill>
+        <a:latin typeface="+mn-lt"/>
+        <a:ea typeface="+mn-ea"/>
+        <a:cs typeface="+mn-cs"/>
+      </a:defRPr>
+    </a:lvl8pPr>
+    <a:lvl9pPr marL="3657600" algn="l" defTabSz="914400" rtl="0" eaLnBrk="1" latinLnBrk="0" hangingPunct="1">
+      <a:defRPr sz="1200" kern="1200">
+        <a:solidFill>
+          <a:schemeClr val="tx1"/>
+        </a:solidFill>
+        <a:latin typeface="+mn-lt"/>
+        <a:ea typeface="+mn-ea"/>
+        <a:cs typeface="+mn-cs"/>
+      </a:defRPr>
+    </a:lvl9pPr>
+  </p:notesStyle>
+</p:notesMaster>
+</file>
+
+<file path=ppt/notesSlides/notesSlide1.xml><?xml version="1.0" encoding="utf-8"?>
+<p:notes xmlns:a="http://schemas.openxmlformats.org/drawingml/2006/main" xmlns:r="http://schemas.openxmlformats.org/officeDocument/2006/relationships" xmlns:p="http://schemas.openxmlformats.org/presentationml/2006/main">
+  <p:cSld>
+    <p:spTree>
+      <p:nvGrpSpPr>
+        <p:cNvPr id="1" name=""/>
+        <p:cNvGrpSpPr/>
+        <p:nvPr/>
+      </p:nvGrpSpPr>
+      <p:grpSpPr>
+        <a:xfrm>
+          <a:off x="0" y="0"/>
+          <a:ext cx="0" cy="0"/>
+          <a:chOff x="0" y="0"/>
+          <a:chExt cx="0" cy="0"/>
+        </a:xfrm>
+      </p:grpSpPr>
+      <p:sp>
+        <p:nvSpPr>
+          <p:cNvPr id="2" name="幻灯片图像占位符 1"/>
+          <p:cNvSpPr>
+            <a:spLocks noGrp="1" noRot="1" noChangeAspect="1"/>
+          </p:cNvSpPr>
+          <p:nvPr>
+            <p:ph type="sldImg"/>
+          </p:nvPr>
+        </p:nvSpPr>
+        <p:spPr/>
+      </p:sp>
+      <p:sp>
+        <p:nvSpPr>
+          <p:cNvPr id="3" name="备注占位符 2"/>
+          <p:cNvSpPr>
+            <a:spLocks noGrp="1"/>
+          </p:cNvSpPr>
+          <p:nvPr>
+            <p:ph type="body" idx="1"/>
+          </p:nvPr>
+        </p:nvSpPr>
+        <p:spPr/>
+        <p:txBody>
+          <a:bodyPr/>
+          <a:lstStyle/>
+          <a:p>
+            <a:endParaRPr lang="zh-CN" altLang="en-US" dirty="0"/>
+          </a:p>
+        </p:txBody>
+      </p:sp>
+      <p:sp>
+        <p:nvSpPr>
+          <p:cNvPr id="4" name="灯片编号占位符 3"/>
+          <p:cNvSpPr>
+            <a:spLocks noGrp="1"/>
+          </p:cNvSpPr>
+          <p:nvPr>
+            <p:ph type="sldNum" sz="quarter" idx="5"/>
+          </p:nvPr>
+        </p:nvSpPr>
+        <p:spPr/>
+        <p:txBody>
+          <a:bodyPr/>
+          <a:lstStyle/>
+          <a:p>
+            <a:fld id="{25E0846D-F298-40F7-98C5-1D4A70A85687}" type="slidenum">
+              <a:rPr lang="zh-CN" altLang="en-US" smtClean="0"/>
+              <a:t>1</a:t>
+            </a:fld>
+            <a:endParaRPr lang="zh-CN" altLang="en-US"/>
+          </a:p>
+        </p:txBody>
+      </p:sp>
+    </p:spTree>
+    <p:extLst>
+      <p:ext uri="{BB962C8B-B14F-4D97-AF65-F5344CB8AC3E}">
+        <p14:creationId xmlns:p14="http://schemas.microsoft.com/office/powerpoint/2010/main" val="2208728538"/>
+      </p:ext>
+    </p:extLst>
+  </p:cSld>
+  <p:clrMapOvr>
+    <a:masterClrMapping/>
+  </p:clrMapOvr>
+</p:notes>
+</file>
+
 <file path=ppt/slideLayouts/slideLayout1.xml><?xml version="1.0" encoding="utf-8"?>
 <p:sldLayout xmlns:a="http://schemas.openxmlformats.org/drawingml/2006/main" xmlns:r="http://schemas.openxmlformats.org/officeDocument/2006/relationships" xmlns:p="http://schemas.openxmlformats.org/presentationml/2006/main" type="title" preserve="1">
   <p:cSld name="标题幻灯片">
@@ -302,7 +738,7 @@
           <a:p>
             <a:fld id="{530820CF-B880-4189-942D-D702A7CBA730}" type="datetimeFigureOut">
               <a:rPr lang="zh-CN" altLang="en-US" smtClean="0"/>
-              <a:t>2019/3/6</a:t>
+              <a:t>2019/3/12</a:t>
             </a:fld>
             <a:endParaRPr lang="zh-CN" altLang="en-US"/>
           </a:p>
@@ -465,7 +901,7 @@
           <a:p>
             <a:fld id="{530820CF-B880-4189-942D-D702A7CBA730}" type="datetimeFigureOut">
               <a:rPr lang="zh-CN" altLang="en-US" smtClean="0"/>
-              <a:t>2019/3/6</a:t>
+              <a:t>2019/3/12</a:t>
             </a:fld>
             <a:endParaRPr lang="zh-CN" altLang="en-US"/>
           </a:p>
@@ -638,7 +1074,7 @@
           <a:p>
             <a:fld id="{530820CF-B880-4189-942D-D702A7CBA730}" type="datetimeFigureOut">
               <a:rPr lang="zh-CN" altLang="en-US" smtClean="0"/>
-              <a:t>2019/3/6</a:t>
+              <a:t>2019/3/12</a:t>
             </a:fld>
             <a:endParaRPr lang="zh-CN" altLang="en-US"/>
           </a:p>
@@ -801,7 +1237,7 @@
           <a:p>
             <a:fld id="{530820CF-B880-4189-942D-D702A7CBA730}" type="datetimeFigureOut">
               <a:rPr lang="zh-CN" altLang="en-US" smtClean="0"/>
-              <a:t>2019/3/6</a:t>
+              <a:t>2019/3/12</a:t>
             </a:fld>
             <a:endParaRPr lang="zh-CN" altLang="en-US"/>
           </a:p>
@@ -1041,7 +1477,7 @@
           <a:p>
             <a:fld id="{530820CF-B880-4189-942D-D702A7CBA730}" type="datetimeFigureOut">
               <a:rPr lang="zh-CN" altLang="en-US" smtClean="0"/>
-              <a:t>2019/3/6</a:t>
+              <a:t>2019/3/12</a:t>
             </a:fld>
             <a:endParaRPr lang="zh-CN" altLang="en-US"/>
           </a:p>
@@ -1321,7 +1757,7 @@
           <a:p>
             <a:fld id="{530820CF-B880-4189-942D-D702A7CBA730}" type="datetimeFigureOut">
               <a:rPr lang="zh-CN" altLang="en-US" smtClean="0"/>
-              <a:t>2019/3/6</a:t>
+              <a:t>2019/3/12</a:t>
             </a:fld>
             <a:endParaRPr lang="zh-CN" altLang="en-US"/>
           </a:p>
@@ -1735,7 +2171,7 @@
           <a:p>
             <a:fld id="{530820CF-B880-4189-942D-D702A7CBA730}" type="datetimeFigureOut">
               <a:rPr lang="zh-CN" altLang="en-US" smtClean="0"/>
-              <a:t>2019/3/6</a:t>
+              <a:t>2019/3/12</a:t>
             </a:fld>
             <a:endParaRPr lang="zh-CN" altLang="en-US"/>
           </a:p>
@@ -1847,7 +2283,7 @@
           <a:p>
             <a:fld id="{530820CF-B880-4189-942D-D702A7CBA730}" type="datetimeFigureOut">
               <a:rPr lang="zh-CN" altLang="en-US" smtClean="0"/>
-              <a:t>2019/3/6</a:t>
+              <a:t>2019/3/12</a:t>
             </a:fld>
             <a:endParaRPr lang="zh-CN" altLang="en-US"/>
           </a:p>
@@ -1937,7 +2373,7 @@
           <a:p>
             <a:fld id="{530820CF-B880-4189-942D-D702A7CBA730}" type="datetimeFigureOut">
               <a:rPr lang="zh-CN" altLang="en-US" smtClean="0"/>
-              <a:t>2019/3/6</a:t>
+              <a:t>2019/3/12</a:t>
             </a:fld>
             <a:endParaRPr lang="zh-CN" altLang="en-US"/>
           </a:p>
@@ -2207,7 +2643,7 @@
           <a:p>
             <a:fld id="{530820CF-B880-4189-942D-D702A7CBA730}" type="datetimeFigureOut">
               <a:rPr lang="zh-CN" altLang="en-US" smtClean="0"/>
-              <a:t>2019/3/6</a:t>
+              <a:t>2019/3/12</a:t>
             </a:fld>
             <a:endParaRPr lang="zh-CN" altLang="en-US"/>
           </a:p>
@@ -2454,7 +2890,7 @@
           <a:p>
             <a:fld id="{530820CF-B880-4189-942D-D702A7CBA730}" type="datetimeFigureOut">
               <a:rPr lang="zh-CN" altLang="en-US" smtClean="0"/>
-              <a:t>2019/3/6</a:t>
+              <a:t>2019/3/12</a:t>
             </a:fld>
             <a:endParaRPr lang="zh-CN" altLang="en-US"/>
           </a:p>
@@ -2660,7 +3096,7 @@
           <a:p>
             <a:fld id="{530820CF-B880-4189-942D-D702A7CBA730}" type="datetimeFigureOut">
               <a:rPr lang="zh-CN" altLang="en-US" smtClean="0"/>
-              <a:t>2019/3/6</a:t>
+              <a:t>2019/3/12</a:t>
             </a:fld>
             <a:endParaRPr lang="zh-CN" altLang="en-US"/>
           </a:p>
@@ -3407,7 +3843,7 @@
           <p:nvPr>
             <p:extLst>
               <p:ext uri="{D42A27DB-BD31-4B8C-83A1-F6EECF244321}">
-                <p14:modId xmlns:p14="http://schemas.microsoft.com/office/powerpoint/2010/main" val="842454804"/>
+                <p14:modId xmlns:p14="http://schemas.microsoft.com/office/powerpoint/2010/main" val="1831733759"/>
               </p:ext>
             </p:extLst>
           </p:nvPr>
@@ -3514,10 +3950,9 @@
                     <a:p>
                       <a:pPr algn="ctr"/>
                       <a:r>
-                        <a:rPr lang="zh-CN" altLang="en-US"/>
+                        <a:rPr lang="zh-CN" altLang="en-US" dirty="0"/>
                         <a:t>微信号</a:t>
                       </a:r>
-                      <a:endParaRPr lang="zh-CN" altLang="en-US" dirty="0"/>
                     </a:p>
                   </a:txBody>
                   <a:tcPr/>
@@ -3547,14 +3982,14 @@
           <p:nvPr>
             <p:extLst>
               <p:ext uri="{D42A27DB-BD31-4B8C-83A1-F6EECF244321}">
-                <p14:modId xmlns:p14="http://schemas.microsoft.com/office/powerpoint/2010/main" val="3809658429"/>
+                <p14:modId xmlns:p14="http://schemas.microsoft.com/office/powerpoint/2010/main" val="1214509117"/>
               </p:ext>
             </p:extLst>
           </p:nvPr>
         </p:nvGraphicFramePr>
         <p:xfrm>
-          <a:off x="3420447" y="5716853"/>
-          <a:ext cx="1600645" cy="1638512"/>
+          <a:off x="4270811" y="746408"/>
+          <a:ext cx="1600645" cy="1266540"/>
         </p:xfrm>
         <a:graphic>
           <a:graphicData uri="http://schemas.openxmlformats.org/drawingml/2006/table">
@@ -3624,7 +4059,7 @@
                           <a:ea typeface="+mn-ea"/>
                           <a:cs typeface="+mn-cs"/>
                         </a:rPr>
-                        <a:t>开课号</a:t>
+                        <a:t>学号</a:t>
                       </a:r>
                       <a:r>
                         <a:rPr lang="en-US" altLang="zh-CN" sz="1800" u="sng" kern="1200" dirty="0">
@@ -3665,7 +4100,7 @@
                           <a:ea typeface="+mn-ea"/>
                           <a:cs typeface="+mn-cs"/>
                         </a:rPr>
-                        <a:t>学号</a:t>
+                        <a:t>签到码</a:t>
                       </a:r>
                       <a:r>
                         <a:rPr lang="en-US" altLang="zh-CN" sz="1800" u="sng" kern="1200" dirty="0">
@@ -3677,42 +4112,6 @@
                           <a:cs typeface="+mn-cs"/>
                         </a:rPr>
                         <a:t>(FK)</a:t>
-                      </a:r>
-                    </a:p>
-                    <a:p>
-                      <a:pPr marL="0" algn="ctr" defTabSz="914400" rtl="0" eaLnBrk="1" latinLnBrk="0" hangingPunct="1"/>
-                      <a:r>
-                        <a:rPr lang="zh-CN" altLang="en-US" sz="1800" u="sng" kern="1200" dirty="0">
-                          <a:solidFill>
-                            <a:srgbClr val="FF0000"/>
-                          </a:solidFill>
-                          <a:latin typeface="+mn-lt"/>
-                          <a:ea typeface="+mn-ea"/>
-                          <a:cs typeface="+mn-cs"/>
-                        </a:rPr>
-                        <a:t>本次点名次数</a:t>
-                      </a:r>
-                      <a:endParaRPr lang="en-US" altLang="zh-CN" sz="1800" u="sng" kern="1200" dirty="0">
-                        <a:solidFill>
-                          <a:srgbClr val="FF0000"/>
-                        </a:solidFill>
-                        <a:latin typeface="+mn-lt"/>
-                        <a:ea typeface="+mn-ea"/>
-                        <a:cs typeface="+mn-cs"/>
-                      </a:endParaRPr>
-                    </a:p>
-                    <a:p>
-                      <a:pPr marL="0" algn="ctr" defTabSz="914400" rtl="0" eaLnBrk="1" latinLnBrk="0" hangingPunct="1"/>
-                      <a:r>
-                        <a:rPr lang="zh-CN" altLang="en-US" sz="1800" u="none" kern="1200" dirty="0">
-                          <a:solidFill>
-                            <a:schemeClr val="tx1"/>
-                          </a:solidFill>
-                          <a:latin typeface="+mn-lt"/>
-                          <a:ea typeface="+mn-ea"/>
-                          <a:cs typeface="+mn-cs"/>
-                        </a:rPr>
-                        <a:t>是否签到</a:t>
                       </a:r>
                     </a:p>
                   </a:txBody>
@@ -3743,14 +4142,14 @@
           <p:nvPr>
             <p:extLst>
               <p:ext uri="{D42A27DB-BD31-4B8C-83A1-F6EECF244321}">
-                <p14:modId xmlns:p14="http://schemas.microsoft.com/office/powerpoint/2010/main" val="2380715402"/>
+                <p14:modId xmlns:p14="http://schemas.microsoft.com/office/powerpoint/2010/main" val="2100798910"/>
               </p:ext>
             </p:extLst>
           </p:nvPr>
         </p:nvGraphicFramePr>
         <p:xfrm>
-          <a:off x="9792219" y="3396039"/>
-          <a:ext cx="1653331" cy="1636841"/>
+          <a:off x="9792220" y="3396039"/>
+          <a:ext cx="1653330" cy="1636841"/>
         </p:xfrm>
         <a:graphic>
           <a:graphicData uri="http://schemas.openxmlformats.org/drawingml/2006/table">
@@ -3759,7 +4158,7 @@
                 <a:tableStyleId>{F5AB1C69-6EDB-4FF4-983F-18BD219EF322}</a:tableStyleId>
               </a:tblPr>
               <a:tblGrid>
-                <a:gridCol w="1653331">
+                <a:gridCol w="1653330">
                   <a:extLst>
                     <a:ext uri="{9D8B030D-6E8A-4147-A177-3AD203B41FA5}">
                       <a16:colId xmlns:a16="http://schemas.microsoft.com/office/drawing/2014/main" val="194932508"/>
@@ -3911,14 +4310,14 @@
           <p:nvPr>
             <p:extLst>
               <p:ext uri="{D42A27DB-BD31-4B8C-83A1-F6EECF244321}">
-                <p14:modId xmlns:p14="http://schemas.microsoft.com/office/powerpoint/2010/main" val="3623691782"/>
+                <p14:modId xmlns:p14="http://schemas.microsoft.com/office/powerpoint/2010/main" val="3590751809"/>
               </p:ext>
             </p:extLst>
           </p:nvPr>
         </p:nvGraphicFramePr>
         <p:xfrm>
           <a:off x="7653570" y="4548483"/>
-          <a:ext cx="1430742" cy="1694766"/>
+          <a:ext cx="1430742" cy="1969086"/>
         </p:xfrm>
         <a:graphic>
           <a:graphicData uri="http://schemas.openxmlformats.org/drawingml/2006/table">
@@ -4032,6 +4431,28 @@
                         </a:rPr>
                         <a:t>(FK)</a:t>
                       </a:r>
+                    </a:p>
+                    <a:p>
+                      <a:pPr marL="0" algn="ctr" defTabSz="914400" rtl="0" eaLnBrk="1" latinLnBrk="0" hangingPunct="1"/>
+                      <a:r>
+                        <a:rPr lang="zh-CN" altLang="en-US" sz="1800" kern="1200" dirty="0">
+                          <a:solidFill>
+                            <a:schemeClr val="dk1"/>
+                          </a:solidFill>
+                          <a:latin typeface="+mn-lt"/>
+                          <a:ea typeface="+mn-ea"/>
+                          <a:cs typeface="+mn-cs"/>
+                        </a:rPr>
+                        <a:t>标题</a:t>
+                      </a:r>
+                      <a:endParaRPr lang="en-US" altLang="zh-CN" sz="1800" kern="1200" dirty="0">
+                        <a:solidFill>
+                          <a:schemeClr val="dk1"/>
+                        </a:solidFill>
+                        <a:latin typeface="+mn-lt"/>
+                        <a:ea typeface="+mn-ea"/>
+                        <a:cs typeface="+mn-cs"/>
+                      </a:endParaRPr>
                     </a:p>
                     <a:p>
                       <a:pPr algn="ctr"/>
@@ -4427,91 +4848,7 @@
         </p:nvSpPr>
         <p:spPr>
           <a:xfrm>
-            <a:off x="4220771" y="3100947"/>
-            <a:ext cx="100082" cy="111177"/>
-          </a:xfrm>
-          <a:prstGeom prst="ellipse">
-            <a:avLst/>
-          </a:prstGeom>
-        </p:spPr>
-        <p:style>
-          <a:lnRef idx="2">
-            <a:schemeClr val="accent1">
-              <a:shade val="50000"/>
-            </a:schemeClr>
-          </a:lnRef>
-          <a:fillRef idx="1">
-            <a:schemeClr val="accent1"/>
-          </a:fillRef>
-          <a:effectRef idx="0">
-            <a:schemeClr val="accent1"/>
-          </a:effectRef>
-          <a:fontRef idx="minor">
-            <a:schemeClr val="lt1"/>
-          </a:fontRef>
-        </p:style>
-        <p:txBody>
-          <a:bodyPr rtlCol="0" anchor="ctr"/>
-          <a:lstStyle/>
-          <a:p>
-            <a:pPr algn="ctr"/>
-            <a:endParaRPr lang="zh-CN" altLang="en-US"/>
-          </a:p>
-        </p:txBody>
-      </p:sp>
-      <p:cxnSp>
-        <p:nvCxnSpPr>
-          <p:cNvPr id="96" name="直接连接符 95">
-            <a:extLst>
-              <a:ext uri="{FF2B5EF4-FFF2-40B4-BE49-F238E27FC236}">
-                <a16:creationId xmlns:a16="http://schemas.microsoft.com/office/drawing/2014/main" id="{56CCBDA0-2F48-4908-8F59-B2F6A9BB81D7}"/>
-              </a:ext>
-            </a:extLst>
-          </p:cNvPr>
-          <p:cNvCxnSpPr>
-            <a:cxnSpLocks/>
-          </p:cNvCxnSpPr>
-          <p:nvPr/>
-        </p:nvCxnSpPr>
-        <p:spPr>
-          <a:xfrm>
-            <a:off x="4259205" y="5395866"/>
-            <a:ext cx="11606" cy="251088"/>
-          </a:xfrm>
-          <a:prstGeom prst="line">
-            <a:avLst/>
-          </a:prstGeom>
-        </p:spPr>
-        <p:style>
-          <a:lnRef idx="1">
-            <a:schemeClr val="dk1"/>
-          </a:lnRef>
-          <a:fillRef idx="0">
-            <a:schemeClr val="dk1"/>
-          </a:fillRef>
-          <a:effectRef idx="0">
-            <a:schemeClr val="dk1"/>
-          </a:effectRef>
-          <a:fontRef idx="minor">
-            <a:schemeClr val="tx1"/>
-          </a:fontRef>
-        </p:style>
-      </p:cxnSp>
-      <p:sp>
-        <p:nvSpPr>
-          <p:cNvPr id="97" name="椭圆 96">
-            <a:extLst>
-              <a:ext uri="{FF2B5EF4-FFF2-40B4-BE49-F238E27FC236}">
-                <a16:creationId xmlns:a16="http://schemas.microsoft.com/office/drawing/2014/main" id="{AEB03666-50B5-4DCB-834E-816F6035D7F7}"/>
-              </a:ext>
-            </a:extLst>
-          </p:cNvPr>
-          <p:cNvSpPr/>
-          <p:nvPr/>
-        </p:nvSpPr>
-        <p:spPr>
-          <a:xfrm>
-            <a:off x="4220770" y="5540868"/>
+            <a:off x="4341491" y="3167665"/>
             <a:ext cx="100082" cy="111177"/>
           </a:xfrm>
           <a:prstGeom prst="ellipse">
@@ -4731,17 +5068,18 @@
           </p:cNvPr>
           <p:cNvCxnSpPr>
             <a:cxnSpLocks/>
+            <a:endCxn id="27" idx="0"/>
           </p:cNvCxnSpPr>
           <p:nvPr/>
         </p:nvCxnSpPr>
         <p:spPr>
-          <a:xfrm>
-            <a:off x="1257395" y="2951567"/>
-            <a:ext cx="3013418" cy="130278"/>
+          <a:xfrm rot="16200000" flipH="1">
+            <a:off x="6681911" y="1616947"/>
+            <a:ext cx="933242" cy="329247"/>
           </a:xfrm>
           <a:prstGeom prst="bentConnector3">
             <a:avLst>
-              <a:gd name="adj1" fmla="val 99899"/>
+              <a:gd name="adj1" fmla="val 50000"/>
             </a:avLst>
           </a:prstGeom>
         </p:spPr>
@@ -5209,25 +5547,387 @@
           </a:graphicData>
         </a:graphic>
       </p:graphicFrame>
+      <p:grpSp>
+        <p:nvGrpSpPr>
+          <p:cNvPr id="2" name="组合 1">
+            <a:extLst>
+              <a:ext uri="{FF2B5EF4-FFF2-40B4-BE49-F238E27FC236}">
+                <a16:creationId xmlns:a16="http://schemas.microsoft.com/office/drawing/2014/main" id="{3E731570-84DA-46D4-A9AB-A03BC6DF6327}"/>
+              </a:ext>
+            </a:extLst>
+          </p:cNvPr>
+          <p:cNvGrpSpPr/>
+          <p:nvPr/>
+        </p:nvGrpSpPr>
+        <p:grpSpPr>
+          <a:xfrm>
+            <a:off x="10568843" y="5032880"/>
+            <a:ext cx="100082" cy="889691"/>
+            <a:chOff x="10568843" y="5032880"/>
+            <a:chExt cx="100082" cy="889691"/>
+          </a:xfrm>
+        </p:grpSpPr>
+        <p:cxnSp>
+          <p:nvCxnSpPr>
+            <p:cNvPr id="31" name="直接连接符 30">
+              <a:extLst>
+                <a:ext uri="{FF2B5EF4-FFF2-40B4-BE49-F238E27FC236}">
+                  <a16:creationId xmlns:a16="http://schemas.microsoft.com/office/drawing/2014/main" id="{3C41009E-ACFF-48A9-9228-B86410FE654A}"/>
+                </a:ext>
+              </a:extLst>
+            </p:cNvPr>
+            <p:cNvCxnSpPr>
+              <a:cxnSpLocks/>
+              <a:stCxn id="48" idx="2"/>
+            </p:cNvCxnSpPr>
+            <p:nvPr/>
+          </p:nvCxnSpPr>
+          <p:spPr>
+            <a:xfrm>
+              <a:off x="10618885" y="5032880"/>
+              <a:ext cx="0" cy="779414"/>
+            </a:xfrm>
+            <a:prstGeom prst="line">
+              <a:avLst/>
+            </a:prstGeom>
+          </p:spPr>
+          <p:style>
+            <a:lnRef idx="1">
+              <a:schemeClr val="dk1"/>
+            </a:lnRef>
+            <a:fillRef idx="0">
+              <a:schemeClr val="dk1"/>
+            </a:fillRef>
+            <a:effectRef idx="0">
+              <a:schemeClr val="dk1"/>
+            </a:effectRef>
+            <a:fontRef idx="minor">
+              <a:schemeClr val="tx1"/>
+            </a:fontRef>
+          </p:style>
+        </p:cxnSp>
+        <p:sp>
+          <p:nvSpPr>
+            <p:cNvPr id="32" name="椭圆 31">
+              <a:extLst>
+                <a:ext uri="{FF2B5EF4-FFF2-40B4-BE49-F238E27FC236}">
+                  <a16:creationId xmlns:a16="http://schemas.microsoft.com/office/drawing/2014/main" id="{2EBBA7C7-FE03-4645-997B-374DFD1466A2}"/>
+                </a:ext>
+              </a:extLst>
+            </p:cNvPr>
+            <p:cNvSpPr/>
+            <p:nvPr/>
+          </p:nvSpPr>
+          <p:spPr>
+            <a:xfrm>
+              <a:off x="10568843" y="5811394"/>
+              <a:ext cx="100082" cy="111177"/>
+            </a:xfrm>
+            <a:prstGeom prst="ellipse">
+              <a:avLst/>
+            </a:prstGeom>
+          </p:spPr>
+          <p:style>
+            <a:lnRef idx="2">
+              <a:schemeClr val="accent1">
+                <a:shade val="50000"/>
+              </a:schemeClr>
+            </a:lnRef>
+            <a:fillRef idx="1">
+              <a:schemeClr val="accent1"/>
+            </a:fillRef>
+            <a:effectRef idx="0">
+              <a:schemeClr val="accent1"/>
+            </a:effectRef>
+            <a:fontRef idx="minor">
+              <a:schemeClr val="lt1"/>
+            </a:fontRef>
+          </p:style>
+          <p:txBody>
+            <a:bodyPr rtlCol="0" anchor="ctr"/>
+            <a:lstStyle/>
+            <a:p>
+              <a:pPr algn="ctr"/>
+              <a:endParaRPr lang="zh-CN" altLang="en-US"/>
+            </a:p>
+          </p:txBody>
+        </p:sp>
+      </p:grpSp>
+      <p:graphicFrame>
+        <p:nvGraphicFramePr>
+          <p:cNvPr id="27" name="表格 26">
+            <a:extLst>
+              <a:ext uri="{FF2B5EF4-FFF2-40B4-BE49-F238E27FC236}">
+                <a16:creationId xmlns:a16="http://schemas.microsoft.com/office/drawing/2014/main" id="{B9B904B0-11F8-43B0-8637-B4AD00FE9B9B}"/>
+              </a:ext>
+            </a:extLst>
+          </p:cNvPr>
+          <p:cNvGraphicFramePr>
+            <a:graphicFrameLocks noGrp="1"/>
+          </p:cNvGraphicFramePr>
+          <p:nvPr>
+            <p:extLst>
+              <p:ext uri="{D42A27DB-BD31-4B8C-83A1-F6EECF244321}">
+                <p14:modId xmlns:p14="http://schemas.microsoft.com/office/powerpoint/2010/main" val="1271856464"/>
+              </p:ext>
+            </p:extLst>
+          </p:nvPr>
+        </p:nvGraphicFramePr>
+        <p:xfrm>
+          <a:off x="6486491" y="2248192"/>
+          <a:ext cx="1653331" cy="1911161"/>
+        </p:xfrm>
+        <a:graphic>
+          <a:graphicData uri="http://schemas.openxmlformats.org/drawingml/2006/table">
+            <a:tbl>
+              <a:tblPr firstRow="1" bandRow="1">
+                <a:tableStyleId>{F5AB1C69-6EDB-4FF4-983F-18BD219EF322}</a:tableStyleId>
+              </a:tblPr>
+              <a:tblGrid>
+                <a:gridCol w="1653331">
+                  <a:extLst>
+                    <a:ext uri="{9D8B030D-6E8A-4147-A177-3AD203B41FA5}">
+                      <a16:colId xmlns:a16="http://schemas.microsoft.com/office/drawing/2014/main" val="194932508"/>
+                    </a:ext>
+                  </a:extLst>
+                </a:gridCol>
+              </a:tblGrid>
+              <a:tr h="448121">
+                <a:tc>
+                  <a:txBody>
+                    <a:bodyPr/>
+                    <a:lstStyle/>
+                    <a:p>
+                      <a:pPr algn="ctr"/>
+                      <a:r>
+                        <a:rPr lang="zh-CN" altLang="en-US" dirty="0"/>
+                        <a:t>课程签到</a:t>
+                      </a:r>
+                      <a:endParaRPr lang="en-US" altLang="zh-CN" dirty="0"/>
+                    </a:p>
+                  </a:txBody>
+                  <a:tcPr/>
+                </a:tc>
+                <a:extLst>
+                  <a:ext uri="{0D108BD9-81ED-4DB2-BD59-A6C34878D82A}">
+                    <a16:rowId xmlns:a16="http://schemas.microsoft.com/office/drawing/2014/main" val="2168431647"/>
+                  </a:ext>
+                </a:extLst>
+              </a:tr>
+              <a:tr h="1020949">
+                <a:tc>
+                  <a:txBody>
+                    <a:bodyPr/>
+                    <a:lstStyle/>
+                    <a:p>
+                      <a:pPr algn="ctr"/>
+                      <a:r>
+                        <a:rPr lang="zh-CN" altLang="en-US" sz="1800" u="sng" kern="1200" dirty="0">
+                          <a:solidFill>
+                            <a:srgbClr val="FF0000"/>
+                          </a:solidFill>
+                          <a:latin typeface="+mn-lt"/>
+                          <a:ea typeface="+mn-ea"/>
+                          <a:cs typeface="+mn-cs"/>
+                        </a:rPr>
+                        <a:t>签到码</a:t>
+                      </a:r>
+                    </a:p>
+                    <a:p>
+                      <a:pPr algn="ctr"/>
+                      <a:r>
+                        <a:rPr lang="zh-CN" altLang="en-US" u="sng" dirty="0">
+                          <a:solidFill>
+                            <a:schemeClr val="tx1"/>
+                          </a:solidFill>
+                        </a:rPr>
+                        <a:t>开课号</a:t>
+                      </a:r>
+                      <a:r>
+                        <a:rPr lang="en-US" altLang="zh-CN" u="sng" dirty="0">
+                          <a:solidFill>
+                            <a:schemeClr val="tx1"/>
+                          </a:solidFill>
+                        </a:rPr>
+                        <a:t>(FK)</a:t>
+                      </a:r>
+                    </a:p>
+                    <a:p>
+                      <a:pPr marL="0" marR="0" lvl="0" indent="0" algn="ctr" defTabSz="914400" rtl="0" eaLnBrk="1" fontAlgn="auto" latinLnBrk="0" hangingPunct="1">
+                        <a:lnSpc>
+                          <a:spcPct val="100000"/>
+                        </a:lnSpc>
+                        <a:spcBef>
+                          <a:spcPts val="0"/>
+                        </a:spcBef>
+                        <a:spcAft>
+                          <a:spcPts val="0"/>
+                        </a:spcAft>
+                        <a:buClrTx/>
+                        <a:buSzTx/>
+                        <a:buFontTx/>
+                        <a:buNone/>
+                        <a:tabLst/>
+                        <a:defRPr/>
+                      </a:pPr>
+                      <a:r>
+                        <a:rPr lang="zh-CN" altLang="en-US" dirty="0"/>
+                        <a:t>本次点名次数</a:t>
+                      </a:r>
+                      <a:endParaRPr lang="en-US" altLang="zh-CN" dirty="0"/>
+                    </a:p>
+                    <a:p>
+                      <a:pPr algn="ctr"/>
+                      <a:r>
+                        <a:rPr lang="zh-CN" altLang="en-US" dirty="0"/>
+                        <a:t>有效时间</a:t>
+                      </a:r>
+                      <a:endParaRPr lang="en-US" altLang="zh-CN" dirty="0"/>
+                    </a:p>
+                    <a:p>
+                      <a:pPr algn="ctr"/>
+                      <a:r>
+                        <a:rPr lang="zh-CN" altLang="en-US" dirty="0"/>
+                        <a:t>是否过期</a:t>
+                      </a:r>
+                      <a:endParaRPr lang="en-US" altLang="zh-CN" dirty="0"/>
+                    </a:p>
+                  </a:txBody>
+                  <a:tcPr/>
+                </a:tc>
+                <a:extLst>
+                  <a:ext uri="{0D108BD9-81ED-4DB2-BD59-A6C34878D82A}">
+                    <a16:rowId xmlns:a16="http://schemas.microsoft.com/office/drawing/2014/main" val="2135535491"/>
+                  </a:ext>
+                </a:extLst>
+              </a:tr>
+            </a:tbl>
+          </a:graphicData>
+        </a:graphic>
+      </p:graphicFrame>
+      <p:grpSp>
+        <p:nvGrpSpPr>
+          <p:cNvPr id="33" name="组合 32">
+            <a:extLst>
+              <a:ext uri="{FF2B5EF4-FFF2-40B4-BE49-F238E27FC236}">
+                <a16:creationId xmlns:a16="http://schemas.microsoft.com/office/drawing/2014/main" id="{1E8F1D79-28FB-41A2-833A-3EAE2ABD4315}"/>
+              </a:ext>
+            </a:extLst>
+          </p:cNvPr>
+          <p:cNvGrpSpPr/>
+          <p:nvPr/>
+        </p:nvGrpSpPr>
+        <p:grpSpPr>
+          <a:xfrm rot="5400000">
+            <a:off x="9067274" y="2966170"/>
+            <a:ext cx="129446" cy="1320443"/>
+            <a:chOff x="10568843" y="5032880"/>
+            <a:chExt cx="100082" cy="889691"/>
+          </a:xfrm>
+        </p:grpSpPr>
+        <p:cxnSp>
+          <p:nvCxnSpPr>
+            <p:cNvPr id="34" name="直接连接符 33">
+              <a:extLst>
+                <a:ext uri="{FF2B5EF4-FFF2-40B4-BE49-F238E27FC236}">
+                  <a16:creationId xmlns:a16="http://schemas.microsoft.com/office/drawing/2014/main" id="{DE602562-219C-4047-B31E-D818906EC5F8}"/>
+                </a:ext>
+              </a:extLst>
+            </p:cNvPr>
+            <p:cNvCxnSpPr>
+              <a:cxnSpLocks/>
+            </p:cNvCxnSpPr>
+            <p:nvPr/>
+          </p:nvCxnSpPr>
+          <p:spPr>
+            <a:xfrm>
+              <a:off x="10618884" y="5032880"/>
+              <a:ext cx="1" cy="779414"/>
+            </a:xfrm>
+            <a:prstGeom prst="line">
+              <a:avLst/>
+            </a:prstGeom>
+          </p:spPr>
+          <p:style>
+            <a:lnRef idx="1">
+              <a:schemeClr val="dk1"/>
+            </a:lnRef>
+            <a:fillRef idx="0">
+              <a:schemeClr val="dk1"/>
+            </a:fillRef>
+            <a:effectRef idx="0">
+              <a:schemeClr val="dk1"/>
+            </a:effectRef>
+            <a:fontRef idx="minor">
+              <a:schemeClr val="tx1"/>
+            </a:fontRef>
+          </p:style>
+        </p:cxnSp>
+        <p:sp>
+          <p:nvSpPr>
+            <p:cNvPr id="35" name="椭圆 34">
+              <a:extLst>
+                <a:ext uri="{FF2B5EF4-FFF2-40B4-BE49-F238E27FC236}">
+                  <a16:creationId xmlns:a16="http://schemas.microsoft.com/office/drawing/2014/main" id="{C2CDCDA4-5B39-49EA-A559-30730289DCDD}"/>
+                </a:ext>
+              </a:extLst>
+            </p:cNvPr>
+            <p:cNvSpPr/>
+            <p:nvPr/>
+          </p:nvSpPr>
+          <p:spPr>
+            <a:xfrm>
+              <a:off x="10568843" y="5811394"/>
+              <a:ext cx="100082" cy="111177"/>
+            </a:xfrm>
+            <a:prstGeom prst="ellipse">
+              <a:avLst/>
+            </a:prstGeom>
+          </p:spPr>
+          <p:style>
+            <a:lnRef idx="2">
+              <a:schemeClr val="accent1">
+                <a:shade val="50000"/>
+              </a:schemeClr>
+            </a:lnRef>
+            <a:fillRef idx="1">
+              <a:schemeClr val="accent1"/>
+            </a:fillRef>
+            <a:effectRef idx="0">
+              <a:schemeClr val="accent1"/>
+            </a:effectRef>
+            <a:fontRef idx="minor">
+              <a:schemeClr val="lt1"/>
+            </a:fontRef>
+          </p:style>
+          <p:txBody>
+            <a:bodyPr rtlCol="0" anchor="ctr"/>
+            <a:lstStyle/>
+            <a:p>
+              <a:pPr algn="ctr"/>
+              <a:endParaRPr lang="zh-CN" altLang="en-US"/>
+            </a:p>
+          </p:txBody>
+        </p:sp>
+      </p:grpSp>
       <p:cxnSp>
         <p:nvCxnSpPr>
-          <p:cNvPr id="31" name="直接连接符 30">
+          <p:cNvPr id="37" name="直接连接符 36">
             <a:extLst>
               <a:ext uri="{FF2B5EF4-FFF2-40B4-BE49-F238E27FC236}">
-                <a16:creationId xmlns:a16="http://schemas.microsoft.com/office/drawing/2014/main" id="{3C41009E-ACFF-48A9-9228-B86410FE654A}"/>
+                <a16:creationId xmlns:a16="http://schemas.microsoft.com/office/drawing/2014/main" id="{603DD681-0678-49F7-BBE5-D8AAAA1B811F}"/>
               </a:ext>
             </a:extLst>
           </p:cNvPr>
           <p:cNvCxnSpPr>
             <a:cxnSpLocks/>
-            <a:stCxn id="48" idx="2"/>
           </p:cNvCxnSpPr>
           <p:nvPr/>
         </p:nvCxnSpPr>
         <p:spPr>
-          <a:xfrm>
-            <a:off x="10618884" y="5032880"/>
-            <a:ext cx="1" cy="779414"/>
+          <a:xfrm rot="16200000">
+            <a:off x="2928380" y="372751"/>
+            <a:ext cx="1" cy="2014680"/>
           </a:xfrm>
           <a:prstGeom prst="line">
             <a:avLst/>
@@ -5250,10 +5950,10 @@
       </p:cxnSp>
       <p:sp>
         <p:nvSpPr>
-          <p:cNvPr id="32" name="椭圆 31">
+          <p:cNvPr id="38" name="椭圆 37">
             <a:extLst>
               <a:ext uri="{FF2B5EF4-FFF2-40B4-BE49-F238E27FC236}">
-                <a16:creationId xmlns:a16="http://schemas.microsoft.com/office/drawing/2014/main" id="{2EBBA7C7-FE03-4645-997B-374DFD1466A2}"/>
+                <a16:creationId xmlns:a16="http://schemas.microsoft.com/office/drawing/2014/main" id="{B04589DA-0AC3-48CE-B09E-C6EE23C51E7D}"/>
               </a:ext>
             </a:extLst>
           </p:cNvPr>
@@ -5261,9 +5961,9 @@
           <p:nvPr/>
         </p:nvSpPr>
         <p:spPr>
-          <a:xfrm>
-            <a:off x="10568843" y="5811394"/>
-            <a:ext cx="100082" cy="111177"/>
+          <a:xfrm rot="16200000">
+            <a:off x="3953354" y="1294993"/>
+            <a:ext cx="130278" cy="170195"/>
           </a:xfrm>
           <a:prstGeom prst="ellipse">
             <a:avLst/>
@@ -5294,6 +5994,754 @@
           </a:p>
         </p:txBody>
       </p:sp>
+      <p:grpSp>
+        <p:nvGrpSpPr>
+          <p:cNvPr id="39" name="组合 38">
+            <a:extLst>
+              <a:ext uri="{FF2B5EF4-FFF2-40B4-BE49-F238E27FC236}">
+                <a16:creationId xmlns:a16="http://schemas.microsoft.com/office/drawing/2014/main" id="{A77D5F13-02E1-476F-884C-C61B36F6E0F1}"/>
+              </a:ext>
+            </a:extLst>
+          </p:cNvPr>
+          <p:cNvGrpSpPr/>
+          <p:nvPr/>
+        </p:nvGrpSpPr>
+        <p:grpSpPr>
+          <a:xfrm rot="5400000">
+            <a:off x="6466463" y="862647"/>
+            <a:ext cx="123094" cy="911796"/>
+            <a:chOff x="10568843" y="5032880"/>
+            <a:chExt cx="100082" cy="889691"/>
+          </a:xfrm>
+        </p:grpSpPr>
+        <p:cxnSp>
+          <p:nvCxnSpPr>
+            <p:cNvPr id="40" name="直接连接符 39">
+              <a:extLst>
+                <a:ext uri="{FF2B5EF4-FFF2-40B4-BE49-F238E27FC236}">
+                  <a16:creationId xmlns:a16="http://schemas.microsoft.com/office/drawing/2014/main" id="{AC0D40F3-D7D0-49F3-9320-5139775D6038}"/>
+                </a:ext>
+              </a:extLst>
+            </p:cNvPr>
+            <p:cNvCxnSpPr>
+              <a:cxnSpLocks/>
+            </p:cNvCxnSpPr>
+            <p:nvPr/>
+          </p:nvCxnSpPr>
+          <p:spPr>
+            <a:xfrm>
+              <a:off x="10618884" y="5032880"/>
+              <a:ext cx="1" cy="779414"/>
+            </a:xfrm>
+            <a:prstGeom prst="line">
+              <a:avLst/>
+            </a:prstGeom>
+          </p:spPr>
+          <p:style>
+            <a:lnRef idx="1">
+              <a:schemeClr val="dk1"/>
+            </a:lnRef>
+            <a:fillRef idx="0">
+              <a:schemeClr val="dk1"/>
+            </a:fillRef>
+            <a:effectRef idx="0">
+              <a:schemeClr val="dk1"/>
+            </a:effectRef>
+            <a:fontRef idx="minor">
+              <a:schemeClr val="tx1"/>
+            </a:fontRef>
+          </p:style>
+        </p:cxnSp>
+        <p:sp>
+          <p:nvSpPr>
+            <p:cNvPr id="41" name="椭圆 40">
+              <a:extLst>
+                <a:ext uri="{FF2B5EF4-FFF2-40B4-BE49-F238E27FC236}">
+                  <a16:creationId xmlns:a16="http://schemas.microsoft.com/office/drawing/2014/main" id="{39A527E1-DDC8-4C49-9471-EAB8CA9B0277}"/>
+                </a:ext>
+              </a:extLst>
+            </p:cNvPr>
+            <p:cNvSpPr/>
+            <p:nvPr/>
+          </p:nvSpPr>
+          <p:spPr>
+            <a:xfrm>
+              <a:off x="10568843" y="5811394"/>
+              <a:ext cx="100082" cy="111177"/>
+            </a:xfrm>
+            <a:prstGeom prst="ellipse">
+              <a:avLst/>
+            </a:prstGeom>
+          </p:spPr>
+          <p:style>
+            <a:lnRef idx="2">
+              <a:schemeClr val="accent1">
+                <a:shade val="50000"/>
+              </a:schemeClr>
+            </a:lnRef>
+            <a:fillRef idx="1">
+              <a:schemeClr val="accent1"/>
+            </a:fillRef>
+            <a:effectRef idx="0">
+              <a:schemeClr val="accent1"/>
+            </a:effectRef>
+            <a:fontRef idx="minor">
+              <a:schemeClr val="lt1"/>
+            </a:fontRef>
+          </p:style>
+          <p:txBody>
+            <a:bodyPr rtlCol="0" anchor="ctr"/>
+            <a:lstStyle/>
+            <a:p>
+              <a:pPr algn="ctr"/>
+              <a:endParaRPr lang="zh-CN" altLang="en-US"/>
+            </a:p>
+          </p:txBody>
+        </p:sp>
+      </p:grpSp>
+      <p:cxnSp>
+        <p:nvCxnSpPr>
+          <p:cNvPr id="42" name="连接符: 肘形 41">
+            <a:extLst>
+              <a:ext uri="{FF2B5EF4-FFF2-40B4-BE49-F238E27FC236}">
+                <a16:creationId xmlns:a16="http://schemas.microsoft.com/office/drawing/2014/main" id="{B36BFC8B-4F77-4E0F-96C6-0065ED187F83}"/>
+              </a:ext>
+            </a:extLst>
+          </p:cNvPr>
+          <p:cNvCxnSpPr>
+            <a:cxnSpLocks/>
+          </p:cNvCxnSpPr>
+          <p:nvPr/>
+        </p:nvCxnSpPr>
+        <p:spPr>
+          <a:xfrm>
+            <a:off x="1409795" y="3103967"/>
+            <a:ext cx="3013418" cy="130278"/>
+          </a:xfrm>
+          <a:prstGeom prst="bentConnector3">
+            <a:avLst>
+              <a:gd name="adj1" fmla="val 99899"/>
+            </a:avLst>
+          </a:prstGeom>
+        </p:spPr>
+        <p:style>
+          <a:lnRef idx="1">
+            <a:schemeClr val="dk1"/>
+          </a:lnRef>
+          <a:fillRef idx="0">
+            <a:schemeClr val="dk1"/>
+          </a:fillRef>
+          <a:effectRef idx="0">
+            <a:schemeClr val="dk1"/>
+          </a:effectRef>
+          <a:fontRef idx="minor">
+            <a:schemeClr val="tx1"/>
+          </a:fontRef>
+        </p:style>
+      </p:cxnSp>
+      <p:graphicFrame>
+        <p:nvGraphicFramePr>
+          <p:cNvPr id="45" name="表格 44">
+            <a:extLst>
+              <a:ext uri="{FF2B5EF4-FFF2-40B4-BE49-F238E27FC236}">
+                <a16:creationId xmlns:a16="http://schemas.microsoft.com/office/drawing/2014/main" id="{3819572D-29F0-468F-BD45-C9FA6717B128}"/>
+              </a:ext>
+            </a:extLst>
+          </p:cNvPr>
+          <p:cNvGraphicFramePr>
+            <a:graphicFrameLocks noGrp="1"/>
+          </p:cNvGraphicFramePr>
+          <p:nvPr>
+            <p:extLst>
+              <p:ext uri="{D42A27DB-BD31-4B8C-83A1-F6EECF244321}">
+                <p14:modId xmlns:p14="http://schemas.microsoft.com/office/powerpoint/2010/main" val="1000419897"/>
+              </p:ext>
+            </p:extLst>
+          </p:nvPr>
+        </p:nvGraphicFramePr>
+        <p:xfrm>
+          <a:off x="5396718" y="5009554"/>
+          <a:ext cx="1600645" cy="2461472"/>
+        </p:xfrm>
+        <a:graphic>
+          <a:graphicData uri="http://schemas.openxmlformats.org/drawingml/2006/table">
+            <a:tbl>
+              <a:tblPr firstRow="1" bandRow="1">
+                <a:tableStyleId>{F5AB1C69-6EDB-4FF4-983F-18BD219EF322}</a:tableStyleId>
+              </a:tblPr>
+              <a:tblGrid>
+                <a:gridCol w="1600645">
+                  <a:extLst>
+                    <a:ext uri="{9D8B030D-6E8A-4147-A177-3AD203B41FA5}">
+                      <a16:colId xmlns:a16="http://schemas.microsoft.com/office/drawing/2014/main" val="194932508"/>
+                    </a:ext>
+                  </a:extLst>
+                </a:gridCol>
+              </a:tblGrid>
+              <a:tr h="449792">
+                <a:tc>
+                  <a:txBody>
+                    <a:bodyPr/>
+                    <a:lstStyle/>
+                    <a:p>
+                      <a:pPr algn="ctr"/>
+                      <a:r>
+                        <a:rPr lang="zh-CN" altLang="en-US" dirty="0"/>
+                        <a:t>留言区</a:t>
+                      </a:r>
+                    </a:p>
+                  </a:txBody>
+                  <a:tcPr/>
+                </a:tc>
+                <a:extLst>
+                  <a:ext uri="{0D108BD9-81ED-4DB2-BD59-A6C34878D82A}">
+                    <a16:rowId xmlns:a16="http://schemas.microsoft.com/office/drawing/2014/main" val="2168431647"/>
+                  </a:ext>
+                </a:extLst>
+              </a:tr>
+              <a:tr h="816748">
+                <a:tc>
+                  <a:txBody>
+                    <a:bodyPr/>
+                    <a:lstStyle/>
+                    <a:p>
+                      <a:pPr marL="0" marR="0" lvl="0" indent="0" algn="ctr" defTabSz="914400" rtl="0" eaLnBrk="1" fontAlgn="auto" latinLnBrk="0" hangingPunct="1">
+                        <a:lnSpc>
+                          <a:spcPct val="100000"/>
+                        </a:lnSpc>
+                        <a:spcBef>
+                          <a:spcPts val="0"/>
+                        </a:spcBef>
+                        <a:spcAft>
+                          <a:spcPts val="0"/>
+                        </a:spcAft>
+                        <a:buClrTx/>
+                        <a:buSzTx/>
+                        <a:buFontTx/>
+                        <a:buNone/>
+                        <a:tabLst/>
+                        <a:defRPr/>
+                      </a:pPr>
+                      <a:r>
+                        <a:rPr lang="zh-CN" altLang="en-US" sz="1800" u="sng" kern="1200" dirty="0">
+                          <a:solidFill>
+                            <a:srgbClr val="FF0000"/>
+                          </a:solidFill>
+                          <a:latin typeface="+mn-lt"/>
+                          <a:ea typeface="+mn-ea"/>
+                          <a:cs typeface="+mn-cs"/>
+                        </a:rPr>
+                        <a:t>留言</a:t>
+                      </a:r>
+                      <a:r>
+                        <a:rPr lang="en-US" altLang="zh-CN" sz="1800" u="sng" kern="1200" dirty="0">
+                          <a:solidFill>
+                            <a:srgbClr val="FF0000"/>
+                          </a:solidFill>
+                          <a:latin typeface="+mn-lt"/>
+                          <a:ea typeface="+mn-ea"/>
+                          <a:cs typeface="+mn-cs"/>
+                        </a:rPr>
+                        <a:t>ID</a:t>
+                      </a:r>
+                    </a:p>
+                    <a:p>
+                      <a:pPr marL="0" marR="0" lvl="0" indent="0" algn="ctr" defTabSz="914400" rtl="0" eaLnBrk="1" fontAlgn="auto" latinLnBrk="0" hangingPunct="1">
+                        <a:lnSpc>
+                          <a:spcPct val="100000"/>
+                        </a:lnSpc>
+                        <a:spcBef>
+                          <a:spcPts val="0"/>
+                        </a:spcBef>
+                        <a:spcAft>
+                          <a:spcPts val="0"/>
+                        </a:spcAft>
+                        <a:buClrTx/>
+                        <a:buSzTx/>
+                        <a:buFontTx/>
+                        <a:buNone/>
+                        <a:tabLst/>
+                        <a:defRPr/>
+                      </a:pPr>
+                      <a:r>
+                        <a:rPr lang="zh-CN" altLang="en-US" sz="1800" kern="1200" dirty="0">
+                          <a:solidFill>
+                            <a:schemeClr val="dk1"/>
+                          </a:solidFill>
+                          <a:latin typeface="+mn-lt"/>
+                          <a:ea typeface="+mn-ea"/>
+                          <a:cs typeface="+mn-cs"/>
+                        </a:rPr>
+                        <a:t>学号</a:t>
+                      </a:r>
+                      <a:r>
+                        <a:rPr lang="en-US" altLang="zh-CN" sz="1800" kern="1200" dirty="0">
+                          <a:solidFill>
+                            <a:schemeClr val="dk1"/>
+                          </a:solidFill>
+                          <a:latin typeface="+mn-lt"/>
+                          <a:ea typeface="+mn-ea"/>
+                          <a:cs typeface="+mn-cs"/>
+                        </a:rPr>
+                        <a:t>(FK)</a:t>
+                      </a:r>
+                    </a:p>
+                    <a:p>
+                      <a:pPr marL="0" marR="0" lvl="0" indent="0" algn="ctr" defTabSz="914400" rtl="0" eaLnBrk="1" fontAlgn="auto" latinLnBrk="0" hangingPunct="1">
+                        <a:lnSpc>
+                          <a:spcPct val="100000"/>
+                        </a:lnSpc>
+                        <a:spcBef>
+                          <a:spcPts val="0"/>
+                        </a:spcBef>
+                        <a:spcAft>
+                          <a:spcPts val="0"/>
+                        </a:spcAft>
+                        <a:buClrTx/>
+                        <a:buSzTx/>
+                        <a:buFontTx/>
+                        <a:buNone/>
+                        <a:tabLst/>
+                        <a:defRPr/>
+                      </a:pPr>
+                      <a:r>
+                        <a:rPr lang="zh-CN" altLang="en-US" sz="1800" kern="1200" dirty="0">
+                          <a:solidFill>
+                            <a:schemeClr val="dk1"/>
+                          </a:solidFill>
+                          <a:latin typeface="+mn-lt"/>
+                          <a:ea typeface="+mn-ea"/>
+                          <a:cs typeface="+mn-cs"/>
+                        </a:rPr>
+                        <a:t>开课号</a:t>
+                      </a:r>
+                      <a:r>
+                        <a:rPr lang="en-US" altLang="zh-CN" sz="1800" kern="1200" dirty="0">
+                          <a:solidFill>
+                            <a:schemeClr val="dk1"/>
+                          </a:solidFill>
+                          <a:latin typeface="+mn-lt"/>
+                          <a:ea typeface="+mn-ea"/>
+                          <a:cs typeface="+mn-cs"/>
+                        </a:rPr>
+                        <a:t>(FK)</a:t>
+                      </a:r>
+                    </a:p>
+                    <a:p>
+                      <a:pPr marL="0" marR="0" lvl="0" indent="0" algn="ctr" defTabSz="914400" rtl="0" eaLnBrk="1" fontAlgn="auto" latinLnBrk="0" hangingPunct="1">
+                        <a:lnSpc>
+                          <a:spcPct val="100000"/>
+                        </a:lnSpc>
+                        <a:spcBef>
+                          <a:spcPts val="0"/>
+                        </a:spcBef>
+                        <a:spcAft>
+                          <a:spcPts val="0"/>
+                        </a:spcAft>
+                        <a:buClrTx/>
+                        <a:buSzTx/>
+                        <a:buFontTx/>
+                        <a:buNone/>
+                        <a:tabLst/>
+                        <a:defRPr/>
+                      </a:pPr>
+                      <a:r>
+                        <a:rPr lang="zh-CN" altLang="en-US" sz="1800" kern="1200" dirty="0">
+                          <a:solidFill>
+                            <a:schemeClr val="dk1"/>
+                          </a:solidFill>
+                          <a:latin typeface="+mn-lt"/>
+                          <a:ea typeface="+mn-ea"/>
+                          <a:cs typeface="+mn-cs"/>
+                        </a:rPr>
+                        <a:t>留言时间</a:t>
+                      </a:r>
+                      <a:endParaRPr lang="en-US" altLang="zh-CN" sz="1800" kern="1200" dirty="0">
+                        <a:solidFill>
+                          <a:schemeClr val="dk1"/>
+                        </a:solidFill>
+                        <a:latin typeface="+mn-lt"/>
+                        <a:ea typeface="+mn-ea"/>
+                        <a:cs typeface="+mn-cs"/>
+                      </a:endParaRPr>
+                    </a:p>
+                    <a:p>
+                      <a:pPr marL="0" marR="0" lvl="0" indent="0" algn="ctr" defTabSz="914400" rtl="0" eaLnBrk="1" fontAlgn="auto" latinLnBrk="0" hangingPunct="1">
+                        <a:lnSpc>
+                          <a:spcPct val="100000"/>
+                        </a:lnSpc>
+                        <a:spcBef>
+                          <a:spcPts val="0"/>
+                        </a:spcBef>
+                        <a:spcAft>
+                          <a:spcPts val="0"/>
+                        </a:spcAft>
+                        <a:buClrTx/>
+                        <a:buSzTx/>
+                        <a:buFontTx/>
+                        <a:buNone/>
+                        <a:tabLst/>
+                        <a:defRPr/>
+                      </a:pPr>
+                      <a:r>
+                        <a:rPr lang="zh-CN" altLang="en-US" sz="1800" kern="1200" dirty="0">
+                          <a:solidFill>
+                            <a:schemeClr val="dk1"/>
+                          </a:solidFill>
+                          <a:latin typeface="+mn-lt"/>
+                          <a:ea typeface="+mn-ea"/>
+                          <a:cs typeface="+mn-cs"/>
+                        </a:rPr>
+                        <a:t>留言标题</a:t>
+                      </a:r>
+                      <a:endParaRPr lang="en-US" altLang="zh-CN" sz="1800" kern="1200" dirty="0">
+                        <a:solidFill>
+                          <a:schemeClr val="dk1"/>
+                        </a:solidFill>
+                        <a:latin typeface="+mn-lt"/>
+                        <a:ea typeface="+mn-ea"/>
+                        <a:cs typeface="+mn-cs"/>
+                      </a:endParaRPr>
+                    </a:p>
+                    <a:p>
+                      <a:pPr marL="0" marR="0" lvl="0" indent="0" algn="ctr" defTabSz="914400" rtl="0" eaLnBrk="1" fontAlgn="auto" latinLnBrk="0" hangingPunct="1">
+                        <a:lnSpc>
+                          <a:spcPct val="100000"/>
+                        </a:lnSpc>
+                        <a:spcBef>
+                          <a:spcPts val="0"/>
+                        </a:spcBef>
+                        <a:spcAft>
+                          <a:spcPts val="0"/>
+                        </a:spcAft>
+                        <a:buClrTx/>
+                        <a:buSzTx/>
+                        <a:buFontTx/>
+                        <a:buNone/>
+                        <a:tabLst/>
+                        <a:defRPr/>
+                      </a:pPr>
+                      <a:r>
+                        <a:rPr lang="zh-CN" altLang="en-US" sz="1800" kern="1200" dirty="0">
+                          <a:solidFill>
+                            <a:schemeClr val="dk1"/>
+                          </a:solidFill>
+                          <a:latin typeface="+mn-lt"/>
+                          <a:ea typeface="+mn-ea"/>
+                          <a:cs typeface="+mn-cs"/>
+                        </a:rPr>
+                        <a:t>留言内容</a:t>
+                      </a:r>
+                      <a:endParaRPr lang="en-US" altLang="zh-CN" sz="1800" kern="1200" dirty="0">
+                        <a:solidFill>
+                          <a:schemeClr val="dk1"/>
+                        </a:solidFill>
+                        <a:latin typeface="+mn-lt"/>
+                        <a:ea typeface="+mn-ea"/>
+                        <a:cs typeface="+mn-cs"/>
+                      </a:endParaRPr>
+                    </a:p>
+                    <a:p>
+                      <a:pPr marL="0" marR="0" lvl="0" indent="0" algn="ctr" defTabSz="914400" rtl="0" eaLnBrk="1" fontAlgn="auto" latinLnBrk="0" hangingPunct="1">
+                        <a:lnSpc>
+                          <a:spcPct val="100000"/>
+                        </a:lnSpc>
+                        <a:spcBef>
+                          <a:spcPts val="0"/>
+                        </a:spcBef>
+                        <a:spcAft>
+                          <a:spcPts val="0"/>
+                        </a:spcAft>
+                        <a:buClrTx/>
+                        <a:buSzTx/>
+                        <a:buFontTx/>
+                        <a:buNone/>
+                        <a:tabLst/>
+                        <a:defRPr/>
+                      </a:pPr>
+                      <a:r>
+                        <a:rPr lang="zh-CN" altLang="en-US" sz="1800" kern="1200" dirty="0">
+                          <a:solidFill>
+                            <a:schemeClr val="dk1"/>
+                          </a:solidFill>
+                          <a:latin typeface="+mn-lt"/>
+                          <a:ea typeface="+mn-ea"/>
+                          <a:cs typeface="+mn-cs"/>
+                        </a:rPr>
+                        <a:t>回复内容</a:t>
+                      </a:r>
+                      <a:endParaRPr lang="en-US" altLang="zh-CN" sz="1800" kern="1200" dirty="0">
+                        <a:solidFill>
+                          <a:schemeClr val="dk1"/>
+                        </a:solidFill>
+                        <a:latin typeface="+mn-lt"/>
+                        <a:ea typeface="+mn-ea"/>
+                        <a:cs typeface="+mn-cs"/>
+                      </a:endParaRPr>
+                    </a:p>
+                  </a:txBody>
+                  <a:tcPr/>
+                </a:tc>
+                <a:extLst>
+                  <a:ext uri="{0D108BD9-81ED-4DB2-BD59-A6C34878D82A}">
+                    <a16:rowId xmlns:a16="http://schemas.microsoft.com/office/drawing/2014/main" val="2135535491"/>
+                  </a:ext>
+                </a:extLst>
+              </a:tr>
+            </a:tbl>
+          </a:graphicData>
+        </a:graphic>
+      </p:graphicFrame>
+      <p:grpSp>
+        <p:nvGrpSpPr>
+          <p:cNvPr id="51" name="组合 50">
+            <a:extLst>
+              <a:ext uri="{FF2B5EF4-FFF2-40B4-BE49-F238E27FC236}">
+                <a16:creationId xmlns:a16="http://schemas.microsoft.com/office/drawing/2014/main" id="{FB9018BE-5A1B-477C-BD39-1D7D038F5C26}"/>
+              </a:ext>
+            </a:extLst>
+          </p:cNvPr>
+          <p:cNvGrpSpPr/>
+          <p:nvPr/>
+        </p:nvGrpSpPr>
+        <p:grpSpPr>
+          <a:xfrm>
+            <a:off x="6129082" y="4355900"/>
+            <a:ext cx="45719" cy="487627"/>
+            <a:chOff x="10568843" y="5032880"/>
+            <a:chExt cx="100082" cy="889691"/>
+          </a:xfrm>
+        </p:grpSpPr>
+        <p:cxnSp>
+          <p:nvCxnSpPr>
+            <p:cNvPr id="53" name="直接连接符 52">
+              <a:extLst>
+                <a:ext uri="{FF2B5EF4-FFF2-40B4-BE49-F238E27FC236}">
+                  <a16:creationId xmlns:a16="http://schemas.microsoft.com/office/drawing/2014/main" id="{581E6C31-3BF5-482D-8C15-8638DF373B6F}"/>
+                </a:ext>
+              </a:extLst>
+            </p:cNvPr>
+            <p:cNvCxnSpPr>
+              <a:cxnSpLocks/>
+            </p:cNvCxnSpPr>
+            <p:nvPr/>
+          </p:nvCxnSpPr>
+          <p:spPr>
+            <a:xfrm>
+              <a:off x="10618884" y="5032880"/>
+              <a:ext cx="1" cy="779414"/>
+            </a:xfrm>
+            <a:prstGeom prst="line">
+              <a:avLst/>
+            </a:prstGeom>
+          </p:spPr>
+          <p:style>
+            <a:lnRef idx="1">
+              <a:schemeClr val="dk1"/>
+            </a:lnRef>
+            <a:fillRef idx="0">
+              <a:schemeClr val="dk1"/>
+            </a:fillRef>
+            <a:effectRef idx="0">
+              <a:schemeClr val="dk1"/>
+            </a:effectRef>
+            <a:fontRef idx="minor">
+              <a:schemeClr val="tx1"/>
+            </a:fontRef>
+          </p:style>
+        </p:cxnSp>
+        <p:sp>
+          <p:nvSpPr>
+            <p:cNvPr id="54" name="椭圆 53">
+              <a:extLst>
+                <a:ext uri="{FF2B5EF4-FFF2-40B4-BE49-F238E27FC236}">
+                  <a16:creationId xmlns:a16="http://schemas.microsoft.com/office/drawing/2014/main" id="{D5E61124-CC4B-4C11-A49F-A68FCC0CD14C}"/>
+                </a:ext>
+              </a:extLst>
+            </p:cNvPr>
+            <p:cNvSpPr/>
+            <p:nvPr/>
+          </p:nvSpPr>
+          <p:spPr>
+            <a:xfrm>
+              <a:off x="10568843" y="5811394"/>
+              <a:ext cx="100082" cy="111177"/>
+            </a:xfrm>
+            <a:prstGeom prst="ellipse">
+              <a:avLst/>
+            </a:prstGeom>
+          </p:spPr>
+          <p:style>
+            <a:lnRef idx="2">
+              <a:schemeClr val="accent1">
+                <a:shade val="50000"/>
+              </a:schemeClr>
+            </a:lnRef>
+            <a:fillRef idx="1">
+              <a:schemeClr val="accent1"/>
+            </a:fillRef>
+            <a:effectRef idx="0">
+              <a:schemeClr val="accent1"/>
+            </a:effectRef>
+            <a:fontRef idx="minor">
+              <a:schemeClr val="lt1"/>
+            </a:fontRef>
+          </p:style>
+          <p:txBody>
+            <a:bodyPr rtlCol="0" anchor="ctr"/>
+            <a:lstStyle/>
+            <a:p>
+              <a:pPr algn="ctr"/>
+              <a:endParaRPr lang="zh-CN" altLang="en-US"/>
+            </a:p>
+          </p:txBody>
+        </p:sp>
+      </p:grpSp>
+      <p:cxnSp>
+        <p:nvCxnSpPr>
+          <p:cNvPr id="55" name="连接符: 肘形 54">
+            <a:extLst>
+              <a:ext uri="{FF2B5EF4-FFF2-40B4-BE49-F238E27FC236}">
+                <a16:creationId xmlns:a16="http://schemas.microsoft.com/office/drawing/2014/main" id="{67E5A168-0054-4FAA-BB09-11BECE97B1CE}"/>
+              </a:ext>
+            </a:extLst>
+          </p:cNvPr>
+          <p:cNvCxnSpPr>
+            <a:cxnSpLocks/>
+          </p:cNvCxnSpPr>
+          <p:nvPr/>
+        </p:nvCxnSpPr>
+        <p:spPr>
+          <a:xfrm rot="5400000">
+            <a:off x="1307595" y="4672128"/>
+            <a:ext cx="3136323" cy="12700"/>
+          </a:xfrm>
+          <a:prstGeom prst="bentConnector3">
+            <a:avLst>
+              <a:gd name="adj1" fmla="val 50000"/>
+            </a:avLst>
+          </a:prstGeom>
+        </p:spPr>
+        <p:style>
+          <a:lnRef idx="1">
+            <a:schemeClr val="dk1"/>
+          </a:lnRef>
+          <a:fillRef idx="0">
+            <a:schemeClr val="dk1"/>
+          </a:fillRef>
+          <a:effectRef idx="0">
+            <a:schemeClr val="dk1"/>
+          </a:effectRef>
+          <a:fontRef idx="minor">
+            <a:schemeClr val="tx1"/>
+          </a:fontRef>
+        </p:style>
+      </p:cxnSp>
+      <p:grpSp>
+        <p:nvGrpSpPr>
+          <p:cNvPr id="56" name="组合 55">
+            <a:extLst>
+              <a:ext uri="{FF2B5EF4-FFF2-40B4-BE49-F238E27FC236}">
+                <a16:creationId xmlns:a16="http://schemas.microsoft.com/office/drawing/2014/main" id="{B1E4ACDD-4598-4631-B264-677246878ABE}"/>
+              </a:ext>
+            </a:extLst>
+          </p:cNvPr>
+          <p:cNvGrpSpPr/>
+          <p:nvPr/>
+        </p:nvGrpSpPr>
+        <p:grpSpPr>
+          <a:xfrm rot="16200000">
+            <a:off x="3880760" y="5177743"/>
+            <a:ext cx="196584" cy="2125098"/>
+            <a:chOff x="10568843" y="5032880"/>
+            <a:chExt cx="100082" cy="889691"/>
+          </a:xfrm>
+        </p:grpSpPr>
+        <p:cxnSp>
+          <p:nvCxnSpPr>
+            <p:cNvPr id="57" name="直接连接符 56">
+              <a:extLst>
+                <a:ext uri="{FF2B5EF4-FFF2-40B4-BE49-F238E27FC236}">
+                  <a16:creationId xmlns:a16="http://schemas.microsoft.com/office/drawing/2014/main" id="{B6C57347-8827-42FF-AA97-70E84230F181}"/>
+                </a:ext>
+              </a:extLst>
+            </p:cNvPr>
+            <p:cNvCxnSpPr>
+              <a:cxnSpLocks/>
+            </p:cNvCxnSpPr>
+            <p:nvPr/>
+          </p:nvCxnSpPr>
+          <p:spPr>
+            <a:xfrm>
+              <a:off x="10618884" y="5032880"/>
+              <a:ext cx="1" cy="779414"/>
+            </a:xfrm>
+            <a:prstGeom prst="line">
+              <a:avLst/>
+            </a:prstGeom>
+          </p:spPr>
+          <p:style>
+            <a:lnRef idx="1">
+              <a:schemeClr val="dk1"/>
+            </a:lnRef>
+            <a:fillRef idx="0">
+              <a:schemeClr val="dk1"/>
+            </a:fillRef>
+            <a:effectRef idx="0">
+              <a:schemeClr val="dk1"/>
+            </a:effectRef>
+            <a:fontRef idx="minor">
+              <a:schemeClr val="tx1"/>
+            </a:fontRef>
+          </p:style>
+        </p:cxnSp>
+        <p:sp>
+          <p:nvSpPr>
+            <p:cNvPr id="58" name="椭圆 57">
+              <a:extLst>
+                <a:ext uri="{FF2B5EF4-FFF2-40B4-BE49-F238E27FC236}">
+                  <a16:creationId xmlns:a16="http://schemas.microsoft.com/office/drawing/2014/main" id="{7BFB4F20-6776-44A4-ADF4-D698AEE02D5C}"/>
+                </a:ext>
+              </a:extLst>
+            </p:cNvPr>
+            <p:cNvSpPr/>
+            <p:nvPr/>
+          </p:nvSpPr>
+          <p:spPr>
+            <a:xfrm>
+              <a:off x="10568843" y="5811394"/>
+              <a:ext cx="100082" cy="111177"/>
+            </a:xfrm>
+            <a:prstGeom prst="ellipse">
+              <a:avLst/>
+            </a:prstGeom>
+          </p:spPr>
+          <p:style>
+            <a:lnRef idx="2">
+              <a:schemeClr val="accent1">
+                <a:shade val="50000"/>
+              </a:schemeClr>
+            </a:lnRef>
+            <a:fillRef idx="1">
+              <a:schemeClr val="accent1"/>
+            </a:fillRef>
+            <a:effectRef idx="0">
+              <a:schemeClr val="accent1"/>
+            </a:effectRef>
+            <a:fontRef idx="minor">
+              <a:schemeClr val="lt1"/>
+            </a:fontRef>
+          </p:style>
+          <p:txBody>
+            <a:bodyPr rtlCol="0" anchor="ctr"/>
+            <a:lstStyle/>
+            <a:p>
+              <a:pPr algn="ctr"/>
+              <a:endParaRPr lang="zh-CN" altLang="en-US"/>
+            </a:p>
+          </p:txBody>
+        </p:sp>
+      </p:grpSp>
     </p:spTree>
     <p:extLst>
       <p:ext uri="{BB962C8B-B14F-4D97-AF65-F5344CB8AC3E}">
@@ -5588,4 +7036,299 @@
   <a:objectDefaults/>
   <a:extraClrSchemeLst/>
 </a:theme>
+</file>
+
+<file path=ppt/theme/theme2.xml><?xml version="1.0" encoding="utf-8"?>
+<a:theme xmlns:a="http://schemas.openxmlformats.org/drawingml/2006/main" name="Office 主题​​">
+  <a:themeElements>
+    <a:clrScheme name="Office">
+      <a:dk1>
+        <a:sysClr val="windowText" lastClr="000000"/>
+      </a:dk1>
+      <a:lt1>
+        <a:sysClr val="window" lastClr="FFFFFF"/>
+      </a:lt1>
+      <a:dk2>
+        <a:srgbClr val="44546A"/>
+      </a:dk2>
+      <a:lt2>
+        <a:srgbClr val="E7E6E6"/>
+      </a:lt2>
+      <a:accent1>
+        <a:srgbClr val="4472C4"/>
+      </a:accent1>
+      <a:accent2>
+        <a:srgbClr val="ED7D31"/>
+      </a:accent2>
+      <a:accent3>
+        <a:srgbClr val="A5A5A5"/>
+      </a:accent3>
+      <a:accent4>
+        <a:srgbClr val="FFC000"/>
+      </a:accent4>
+      <a:accent5>
+        <a:srgbClr val="5B9BD5"/>
+      </a:accent5>
+      <a:accent6>
+        <a:srgbClr val="70AD47"/>
+      </a:accent6>
+      <a:hlink>
+        <a:srgbClr val="0563C1"/>
+      </a:hlink>
+      <a:folHlink>
+        <a:srgbClr val="954F72"/>
+      </a:folHlink>
+    </a:clrScheme>
+    <a:fontScheme name="Office">
+      <a:majorFont>
+        <a:latin typeface="等线 Light" panose="020F0302020204030204"/>
+        <a:ea typeface=""/>
+        <a:cs typeface=""/>
+        <a:font script="Jpan" typeface="游ゴシック Light"/>
+        <a:font script="Hang" typeface="맑은 고딕"/>
+        <a:font script="Hans" typeface="等线 Light"/>
+        <a:font script="Hant" typeface="新細明體"/>
+        <a:font script="Arab" typeface="Times New Roman"/>
+        <a:font script="Hebr" typeface="Times New Roman"/>
+        <a:font script="Thai" typeface="Angsana New"/>
+        <a:font script="Ethi" typeface="Nyala"/>
+        <a:font script="Beng" typeface="Vrinda"/>
+        <a:font script="Gujr" typeface="Shruti"/>
+        <a:font script="Khmr" typeface="MoolBoran"/>
+        <a:font script="Knda" typeface="Tunga"/>
+        <a:font script="Guru" typeface="Raavi"/>
+        <a:font script="Cans" typeface="Euphemia"/>
+        <a:font script="Cher" typeface="Plantagenet Cherokee"/>
+        <a:font script="Yiii" typeface="Microsoft Yi Baiti"/>
+        <a:font script="Tibt" typeface="Microsoft Himalaya"/>
+        <a:font script="Thaa" typeface="MV Boli"/>
+        <a:font script="Deva" typeface="Mangal"/>
+        <a:font script="Telu" typeface="Gautami"/>
+        <a:font script="Taml" typeface="Latha"/>
+        <a:font script="Syrc" typeface="Estrangelo Edessa"/>
+        <a:font script="Orya" typeface="Kalinga"/>
+        <a:font script="Mlym" typeface="Kartika"/>
+        <a:font script="Laoo" typeface="DokChampa"/>
+        <a:font script="Sinh" typeface="Iskoola Pota"/>
+        <a:font script="Mong" typeface="Mongolian Baiti"/>
+        <a:font script="Viet" typeface="Times New Roman"/>
+        <a:font script="Uigh" typeface="Microsoft Uighur"/>
+        <a:font script="Geor" typeface="Sylfaen"/>
+        <a:font script="Armn" typeface="Arial"/>
+        <a:font script="Bugi" typeface="Leelawadee UI"/>
+        <a:font script="Bopo" typeface="Microsoft JhengHei"/>
+        <a:font script="Java" typeface="Javanese Text"/>
+        <a:font script="Lisu" typeface="Segoe UI"/>
+        <a:font script="Mymr" typeface="Myanmar Text"/>
+        <a:font script="Nkoo" typeface="Ebrima"/>
+        <a:font script="Olck" typeface="Nirmala UI"/>
+        <a:font script="Osma" typeface="Ebrima"/>
+        <a:font script="Phag" typeface="Phagspa"/>
+        <a:font script="Syrn" typeface="Estrangelo Edessa"/>
+        <a:font script="Syrj" typeface="Estrangelo Edessa"/>
+        <a:font script="Syre" typeface="Estrangelo Edessa"/>
+        <a:font script="Sora" typeface="Nirmala UI"/>
+        <a:font script="Tale" typeface="Microsoft Tai Le"/>
+        <a:font script="Talu" typeface="Microsoft New Tai Lue"/>
+        <a:font script="Tfng" typeface="Ebrima"/>
+      </a:majorFont>
+      <a:minorFont>
+        <a:latin typeface="等线" panose="020F0502020204030204"/>
+        <a:ea typeface=""/>
+        <a:cs typeface=""/>
+        <a:font script="Jpan" typeface="游ゴシック"/>
+        <a:font script="Hang" typeface="맑은 고딕"/>
+        <a:font script="Hans" typeface="等线"/>
+        <a:font script="Hant" typeface="新細明體"/>
+        <a:font script="Arab" typeface="Arial"/>
+        <a:font script="Hebr" typeface="Arial"/>
+        <a:font script="Thai" typeface="Cordia New"/>
+        <a:font script="Ethi" typeface="Nyala"/>
+        <a:font script="Beng" typeface="Vrinda"/>
+        <a:font script="Gujr" typeface="Shruti"/>
+        <a:font script="Khmr" typeface="DaunPenh"/>
+        <a:font script="Knda" typeface="Tunga"/>
+        <a:font script="Guru" typeface="Raavi"/>
+        <a:font script="Cans" typeface="Euphemia"/>
+        <a:font script="Cher" typeface="Plantagenet Cherokee"/>
+        <a:font script="Yiii" typeface="Microsoft Yi Baiti"/>
+        <a:font script="Tibt" typeface="Microsoft Himalaya"/>
+        <a:font script="Thaa" typeface="MV Boli"/>
+        <a:font script="Deva" typeface="Mangal"/>
+        <a:font script="Telu" typeface="Gautami"/>
+        <a:font script="Taml" typeface="Latha"/>
+        <a:font script="Syrc" typeface="Estrangelo Edessa"/>
+        <a:font script="Orya" typeface="Kalinga"/>
+        <a:font script="Mlym" typeface="Kartika"/>
+        <a:font script="Laoo" typeface="DokChampa"/>
+        <a:font script="Sinh" typeface="Iskoola Pota"/>
+        <a:font script="Mong" typeface="Mongolian Baiti"/>
+        <a:font script="Viet" typeface="Arial"/>
+        <a:font script="Uigh" typeface="Microsoft Uighur"/>
+        <a:font script="Geor" typeface="Sylfaen"/>
+        <a:font script="Armn" typeface="Arial"/>
+        <a:font script="Bugi" typeface="Leelawadee UI"/>
+        <a:font script="Bopo" typeface="Microsoft JhengHei"/>
+        <a:font script="Java" typeface="Javanese Text"/>
+        <a:font script="Lisu" typeface="Segoe UI"/>
+        <a:font script="Mymr" typeface="Myanmar Text"/>
+        <a:font script="Nkoo" typeface="Ebrima"/>
+        <a:font script="Olck" typeface="Nirmala UI"/>
+        <a:font script="Osma" typeface="Ebrima"/>
+        <a:font script="Phag" typeface="Phagspa"/>
+        <a:font script="Syrn" typeface="Estrangelo Edessa"/>
+        <a:font script="Syrj" typeface="Estrangelo Edessa"/>
+        <a:font script="Syre" typeface="Estrangelo Edessa"/>
+        <a:font script="Sora" typeface="Nirmala UI"/>
+        <a:font script="Tale" typeface="Microsoft Tai Le"/>
+        <a:font script="Talu" typeface="Microsoft New Tai Lue"/>
+        <a:font script="Tfng" typeface="Ebrima"/>
+      </a:minorFont>
+    </a:fontScheme>
+    <a:fmtScheme name="Office">
+      <a:fillStyleLst>
+        <a:solidFill>
+          <a:schemeClr val="phClr"/>
+        </a:solidFill>
+        <a:gradFill rotWithShape="1">
+          <a:gsLst>
+            <a:gs pos="0">
+              <a:schemeClr val="phClr">
+                <a:lumMod val="110000"/>
+                <a:satMod val="105000"/>
+                <a:tint val="67000"/>
+              </a:schemeClr>
+            </a:gs>
+            <a:gs pos="50000">
+              <a:schemeClr val="phClr">
+                <a:lumMod val="105000"/>
+                <a:satMod val="103000"/>
+                <a:tint val="73000"/>
+              </a:schemeClr>
+            </a:gs>
+            <a:gs pos="100000">
+              <a:schemeClr val="phClr">
+                <a:lumMod val="105000"/>
+                <a:satMod val="109000"/>
+                <a:tint val="81000"/>
+              </a:schemeClr>
+            </a:gs>
+          </a:gsLst>
+          <a:lin ang="5400000" scaled="0"/>
+        </a:gradFill>
+        <a:gradFill rotWithShape="1">
+          <a:gsLst>
+            <a:gs pos="0">
+              <a:schemeClr val="phClr">
+                <a:satMod val="103000"/>
+                <a:lumMod val="102000"/>
+                <a:tint val="94000"/>
+              </a:schemeClr>
+            </a:gs>
+            <a:gs pos="50000">
+              <a:schemeClr val="phClr">
+                <a:satMod val="110000"/>
+                <a:lumMod val="100000"/>
+                <a:shade val="100000"/>
+              </a:schemeClr>
+            </a:gs>
+            <a:gs pos="100000">
+              <a:schemeClr val="phClr">
+                <a:lumMod val="99000"/>
+                <a:satMod val="120000"/>
+                <a:shade val="78000"/>
+              </a:schemeClr>
+            </a:gs>
+          </a:gsLst>
+          <a:lin ang="5400000" scaled="0"/>
+        </a:gradFill>
+      </a:fillStyleLst>
+      <a:lnStyleLst>
+        <a:ln w="6350" cap="flat" cmpd="sng" algn="ctr">
+          <a:solidFill>
+            <a:schemeClr val="phClr"/>
+          </a:solidFill>
+          <a:prstDash val="solid"/>
+          <a:miter lim="800000"/>
+        </a:ln>
+        <a:ln w="12700" cap="flat" cmpd="sng" algn="ctr">
+          <a:solidFill>
+            <a:schemeClr val="phClr"/>
+          </a:solidFill>
+          <a:prstDash val="solid"/>
+          <a:miter lim="800000"/>
+        </a:ln>
+        <a:ln w="19050" cap="flat" cmpd="sng" algn="ctr">
+          <a:solidFill>
+            <a:schemeClr val="phClr"/>
+          </a:solidFill>
+          <a:prstDash val="solid"/>
+          <a:miter lim="800000"/>
+        </a:ln>
+      </a:lnStyleLst>
+      <a:effectStyleLst>
+        <a:effectStyle>
+          <a:effectLst/>
+        </a:effectStyle>
+        <a:effectStyle>
+          <a:effectLst/>
+        </a:effectStyle>
+        <a:effectStyle>
+          <a:effectLst>
+            <a:outerShdw blurRad="57150" dist="19050" dir="5400000" algn="ctr" rotWithShape="0">
+              <a:srgbClr val="000000">
+                <a:alpha val="63000"/>
+              </a:srgbClr>
+            </a:outerShdw>
+          </a:effectLst>
+        </a:effectStyle>
+      </a:effectStyleLst>
+      <a:bgFillStyleLst>
+        <a:solidFill>
+          <a:schemeClr val="phClr"/>
+        </a:solidFill>
+        <a:solidFill>
+          <a:schemeClr val="phClr">
+            <a:tint val="95000"/>
+            <a:satMod val="170000"/>
+          </a:schemeClr>
+        </a:solidFill>
+        <a:gradFill rotWithShape="1">
+          <a:gsLst>
+            <a:gs pos="0">
+              <a:schemeClr val="phClr">
+                <a:tint val="93000"/>
+                <a:satMod val="150000"/>
+                <a:shade val="98000"/>
+                <a:lumMod val="102000"/>
+              </a:schemeClr>
+            </a:gs>
+            <a:gs pos="50000">
+              <a:schemeClr val="phClr">
+                <a:tint val="98000"/>
+                <a:satMod val="130000"/>
+                <a:shade val="90000"/>
+                <a:lumMod val="103000"/>
+              </a:schemeClr>
+            </a:gs>
+            <a:gs pos="100000">
+              <a:schemeClr val="phClr">
+                <a:shade val="63000"/>
+                <a:satMod val="120000"/>
+              </a:schemeClr>
+            </a:gs>
+          </a:gsLst>
+          <a:lin ang="5400000" scaled="0"/>
+        </a:gradFill>
+      </a:bgFillStyleLst>
+    </a:fmtScheme>
+  </a:themeElements>
+  <a:objectDefaults/>
+  <a:extraClrSchemeLst/>
+  <a:extLst>
+    <a:ext uri="{05A4C25C-085E-4340-85A3-A5531E510DB2}">
+      <thm15:themeFamily xmlns:thm15="http://schemas.microsoft.com/office/thememl/2012/main" name="Office Theme" id="{62F939B6-93AF-4DB8-9C6B-D6C7DFDC589F}" vid="{4A3C46E8-61CC-4603-A589-7422A47A8E4A}"/>
+    </a:ext>
+  </a:extLst>
+</a:theme>
 </file>
--- a/设计资料/数据库.pptx
+++ b/设计资料/数据库.pptx
@@ -208,7 +208,7 @@
           <a:p>
             <a:fld id="{EC0AF910-1F6D-4581-910B-7B392DA41058}" type="datetimeFigureOut">
               <a:rPr lang="zh-CN" altLang="en-US" smtClean="0"/>
-              <a:t>2019/3/12</a:t>
+              <a:t>2019/3/13</a:t>
             </a:fld>
             <a:endParaRPr lang="zh-CN" altLang="en-US"/>
           </a:p>
@@ -738,7 +738,7 @@
           <a:p>
             <a:fld id="{530820CF-B880-4189-942D-D702A7CBA730}" type="datetimeFigureOut">
               <a:rPr lang="zh-CN" altLang="en-US" smtClean="0"/>
-              <a:t>2019/3/12</a:t>
+              <a:t>2019/3/13</a:t>
             </a:fld>
             <a:endParaRPr lang="zh-CN" altLang="en-US"/>
           </a:p>
@@ -901,7 +901,7 @@
           <a:p>
             <a:fld id="{530820CF-B880-4189-942D-D702A7CBA730}" type="datetimeFigureOut">
               <a:rPr lang="zh-CN" altLang="en-US" smtClean="0"/>
-              <a:t>2019/3/12</a:t>
+              <a:t>2019/3/13</a:t>
             </a:fld>
             <a:endParaRPr lang="zh-CN" altLang="en-US"/>
           </a:p>
@@ -1074,7 +1074,7 @@
           <a:p>
             <a:fld id="{530820CF-B880-4189-942D-D702A7CBA730}" type="datetimeFigureOut">
               <a:rPr lang="zh-CN" altLang="en-US" smtClean="0"/>
-              <a:t>2019/3/12</a:t>
+              <a:t>2019/3/13</a:t>
             </a:fld>
             <a:endParaRPr lang="zh-CN" altLang="en-US"/>
           </a:p>
@@ -1237,7 +1237,7 @@
           <a:p>
             <a:fld id="{530820CF-B880-4189-942D-D702A7CBA730}" type="datetimeFigureOut">
               <a:rPr lang="zh-CN" altLang="en-US" smtClean="0"/>
-              <a:t>2019/3/12</a:t>
+              <a:t>2019/3/13</a:t>
             </a:fld>
             <a:endParaRPr lang="zh-CN" altLang="en-US"/>
           </a:p>
@@ -1477,7 +1477,7 @@
           <a:p>
             <a:fld id="{530820CF-B880-4189-942D-D702A7CBA730}" type="datetimeFigureOut">
               <a:rPr lang="zh-CN" altLang="en-US" smtClean="0"/>
-              <a:t>2019/3/12</a:t>
+              <a:t>2019/3/13</a:t>
             </a:fld>
             <a:endParaRPr lang="zh-CN" altLang="en-US"/>
           </a:p>
@@ -1757,7 +1757,7 @@
           <a:p>
             <a:fld id="{530820CF-B880-4189-942D-D702A7CBA730}" type="datetimeFigureOut">
               <a:rPr lang="zh-CN" altLang="en-US" smtClean="0"/>
-              <a:t>2019/3/12</a:t>
+              <a:t>2019/3/13</a:t>
             </a:fld>
             <a:endParaRPr lang="zh-CN" altLang="en-US"/>
           </a:p>
@@ -2171,7 +2171,7 @@
           <a:p>
             <a:fld id="{530820CF-B880-4189-942D-D702A7CBA730}" type="datetimeFigureOut">
               <a:rPr lang="zh-CN" altLang="en-US" smtClean="0"/>
-              <a:t>2019/3/12</a:t>
+              <a:t>2019/3/13</a:t>
             </a:fld>
             <a:endParaRPr lang="zh-CN" altLang="en-US"/>
           </a:p>
@@ -2283,7 +2283,7 @@
           <a:p>
             <a:fld id="{530820CF-B880-4189-942D-D702A7CBA730}" type="datetimeFigureOut">
               <a:rPr lang="zh-CN" altLang="en-US" smtClean="0"/>
-              <a:t>2019/3/12</a:t>
+              <a:t>2019/3/13</a:t>
             </a:fld>
             <a:endParaRPr lang="zh-CN" altLang="en-US"/>
           </a:p>
@@ -2373,7 +2373,7 @@
           <a:p>
             <a:fld id="{530820CF-B880-4189-942D-D702A7CBA730}" type="datetimeFigureOut">
               <a:rPr lang="zh-CN" altLang="en-US" smtClean="0"/>
-              <a:t>2019/3/12</a:t>
+              <a:t>2019/3/13</a:t>
             </a:fld>
             <a:endParaRPr lang="zh-CN" altLang="en-US"/>
           </a:p>
@@ -2643,7 +2643,7 @@
           <a:p>
             <a:fld id="{530820CF-B880-4189-942D-D702A7CBA730}" type="datetimeFigureOut">
               <a:rPr lang="zh-CN" altLang="en-US" smtClean="0"/>
-              <a:t>2019/3/12</a:t>
+              <a:t>2019/3/13</a:t>
             </a:fld>
             <a:endParaRPr lang="zh-CN" altLang="en-US"/>
           </a:p>
@@ -2890,7 +2890,7 @@
           <a:p>
             <a:fld id="{530820CF-B880-4189-942D-D702A7CBA730}" type="datetimeFigureOut">
               <a:rPr lang="zh-CN" altLang="en-US" smtClean="0"/>
-              <a:t>2019/3/12</a:t>
+              <a:t>2019/3/13</a:t>
             </a:fld>
             <a:endParaRPr lang="zh-CN" altLang="en-US"/>
           </a:p>
@@ -3096,7 +3096,7 @@
           <a:p>
             <a:fld id="{530820CF-B880-4189-942D-D702A7CBA730}" type="datetimeFigureOut">
               <a:rPr lang="zh-CN" altLang="en-US" smtClean="0"/>
-              <a:t>2019/3/12</a:t>
+              <a:t>2019/3/13</a:t>
             </a:fld>
             <a:endParaRPr lang="zh-CN" altLang="en-US"/>
           </a:p>
@@ -6651,7 +6651,7 @@
         </p:nvGrpSpPr>
         <p:grpSpPr>
           <a:xfrm rot="16200000">
-            <a:off x="3880760" y="5177743"/>
+            <a:off x="3823306" y="5177741"/>
             <a:ext cx="196584" cy="2125098"/>
             <a:chOff x="10568843" y="5032880"/>
             <a:chExt cx="100082" cy="889691"/>

--- a/设计资料/数据库.pptx
+++ b/设计资料/数据库.pptx
@@ -208,7 +208,7 @@
           <a:p>
             <a:fld id="{EC0AF910-1F6D-4581-910B-7B392DA41058}" type="datetimeFigureOut">
               <a:rPr lang="zh-CN" altLang="en-US" smtClean="0"/>
-              <a:t>2019/3/13</a:t>
+              <a:t>2019/3/20</a:t>
             </a:fld>
             <a:endParaRPr lang="zh-CN" altLang="en-US"/>
           </a:p>
@@ -738,7 +738,7 @@
           <a:p>
             <a:fld id="{530820CF-B880-4189-942D-D702A7CBA730}" type="datetimeFigureOut">
               <a:rPr lang="zh-CN" altLang="en-US" smtClean="0"/>
-              <a:t>2019/3/13</a:t>
+              <a:t>2019/3/20</a:t>
             </a:fld>
             <a:endParaRPr lang="zh-CN" altLang="en-US"/>
           </a:p>
@@ -901,7 +901,7 @@
           <a:p>
             <a:fld id="{530820CF-B880-4189-942D-D702A7CBA730}" type="datetimeFigureOut">
               <a:rPr lang="zh-CN" altLang="en-US" smtClean="0"/>
-              <a:t>2019/3/13</a:t>
+              <a:t>2019/3/20</a:t>
             </a:fld>
             <a:endParaRPr lang="zh-CN" altLang="en-US"/>
           </a:p>
@@ -1074,7 +1074,7 @@
           <a:p>
             <a:fld id="{530820CF-B880-4189-942D-D702A7CBA730}" type="datetimeFigureOut">
               <a:rPr lang="zh-CN" altLang="en-US" smtClean="0"/>
-              <a:t>2019/3/13</a:t>
+              <a:t>2019/3/20</a:t>
             </a:fld>
             <a:endParaRPr lang="zh-CN" altLang="en-US"/>
           </a:p>
@@ -1237,7 +1237,7 @@
           <a:p>
             <a:fld id="{530820CF-B880-4189-942D-D702A7CBA730}" type="datetimeFigureOut">
               <a:rPr lang="zh-CN" altLang="en-US" smtClean="0"/>
-              <a:t>2019/3/13</a:t>
+              <a:t>2019/3/20</a:t>
             </a:fld>
             <a:endParaRPr lang="zh-CN" altLang="en-US"/>
           </a:p>
@@ -1477,7 +1477,7 @@
           <a:p>
             <a:fld id="{530820CF-B880-4189-942D-D702A7CBA730}" type="datetimeFigureOut">
               <a:rPr lang="zh-CN" altLang="en-US" smtClean="0"/>
-              <a:t>2019/3/13</a:t>
+              <a:t>2019/3/20</a:t>
             </a:fld>
             <a:endParaRPr lang="zh-CN" altLang="en-US"/>
           </a:p>
@@ -1757,7 +1757,7 @@
           <a:p>
             <a:fld id="{530820CF-B880-4189-942D-D702A7CBA730}" type="datetimeFigureOut">
               <a:rPr lang="zh-CN" altLang="en-US" smtClean="0"/>
-              <a:t>2019/3/13</a:t>
+              <a:t>2019/3/20</a:t>
             </a:fld>
             <a:endParaRPr lang="zh-CN" altLang="en-US"/>
           </a:p>
@@ -2171,7 +2171,7 @@
           <a:p>
             <a:fld id="{530820CF-B880-4189-942D-D702A7CBA730}" type="datetimeFigureOut">
               <a:rPr lang="zh-CN" altLang="en-US" smtClean="0"/>
-              <a:t>2019/3/13</a:t>
+              <a:t>2019/3/20</a:t>
             </a:fld>
             <a:endParaRPr lang="zh-CN" altLang="en-US"/>
           </a:p>
@@ -2283,7 +2283,7 @@
           <a:p>
             <a:fld id="{530820CF-B880-4189-942D-D702A7CBA730}" type="datetimeFigureOut">
               <a:rPr lang="zh-CN" altLang="en-US" smtClean="0"/>
-              <a:t>2019/3/13</a:t>
+              <a:t>2019/3/20</a:t>
             </a:fld>
             <a:endParaRPr lang="zh-CN" altLang="en-US"/>
           </a:p>
@@ -2373,7 +2373,7 @@
           <a:p>
             <a:fld id="{530820CF-B880-4189-942D-D702A7CBA730}" type="datetimeFigureOut">
               <a:rPr lang="zh-CN" altLang="en-US" smtClean="0"/>
-              <a:t>2019/3/13</a:t>
+              <a:t>2019/3/20</a:t>
             </a:fld>
             <a:endParaRPr lang="zh-CN" altLang="en-US"/>
           </a:p>
@@ -2643,7 +2643,7 @@
           <a:p>
             <a:fld id="{530820CF-B880-4189-942D-D702A7CBA730}" type="datetimeFigureOut">
               <a:rPr lang="zh-CN" altLang="en-US" smtClean="0"/>
-              <a:t>2019/3/13</a:t>
+              <a:t>2019/3/20</a:t>
             </a:fld>
             <a:endParaRPr lang="zh-CN" altLang="en-US"/>
           </a:p>
@@ -2890,7 +2890,7 @@
           <a:p>
             <a:fld id="{530820CF-B880-4189-942D-D702A7CBA730}" type="datetimeFigureOut">
               <a:rPr lang="zh-CN" altLang="en-US" smtClean="0"/>
-              <a:t>2019/3/13</a:t>
+              <a:t>2019/3/20</a:t>
             </a:fld>
             <a:endParaRPr lang="zh-CN" altLang="en-US"/>
           </a:p>
@@ -3096,7 +3096,7 @@
           <a:p>
             <a:fld id="{530820CF-B880-4189-942D-D702A7CBA730}" type="datetimeFigureOut">
               <a:rPr lang="zh-CN" altLang="en-US" smtClean="0"/>
-              <a:t>2019/3/13</a:t>
+              <a:t>2019/3/20</a:t>
             </a:fld>
             <a:endParaRPr lang="zh-CN" altLang="en-US"/>
           </a:p>
@@ -4772,16 +4772,19 @@
           <a:prstGeom prst="line">
             <a:avLst/>
           </a:prstGeom>
+          <a:ln>
+            <a:prstDash val="sysDash"/>
+          </a:ln>
         </p:spPr>
         <p:style>
           <a:lnRef idx="1">
-            <a:schemeClr val="dk1"/>
+            <a:schemeClr val="accent1"/>
           </a:lnRef>
           <a:fillRef idx="0">
-            <a:schemeClr val="dk1"/>
+            <a:schemeClr val="accent1"/>
           </a:fillRef>
           <a:effectRef idx="0">
-            <a:schemeClr val="dk1"/>
+            <a:schemeClr val="accent1"/>
           </a:effectRef>
           <a:fontRef idx="minor">
             <a:schemeClr val="tx1"/>
@@ -5113,7 +5116,7 @@
           <p:nvPr>
             <p:extLst>
               <p:ext uri="{D42A27DB-BD31-4B8C-83A1-F6EECF244321}">
-                <p14:modId xmlns:p14="http://schemas.microsoft.com/office/powerpoint/2010/main" val="1862674897"/>
+                <p14:modId xmlns:p14="http://schemas.microsoft.com/office/powerpoint/2010/main" val="3954796912"/>
               </p:ext>
             </p:extLst>
           </p:nvPr>
@@ -5192,14 +5195,17 @@
                         </a:rPr>
                         <a:t>工号</a:t>
                       </a:r>
-                      <a:endParaRPr lang="en-US" altLang="zh-CN" sz="1800" u="none" kern="1200" dirty="0">
-                        <a:solidFill>
-                          <a:schemeClr val="tx1"/>
-                        </a:solidFill>
-                        <a:latin typeface="+mn-lt"/>
-                        <a:ea typeface="+mn-ea"/>
-                        <a:cs typeface="+mn-cs"/>
-                      </a:endParaRPr>
+                      <a:r>
+                        <a:rPr lang="en-US" altLang="zh-CN" sz="1800" u="none" kern="1200" dirty="0">
+                          <a:solidFill>
+                            <a:schemeClr val="tx1"/>
+                          </a:solidFill>
+                          <a:latin typeface="+mn-lt"/>
+                          <a:ea typeface="+mn-ea"/>
+                          <a:cs typeface="+mn-cs"/>
+                        </a:rPr>
+                        <a:t>(FK)</a:t>
+                      </a:r>
                     </a:p>
                     <a:p>
                       <a:pPr algn="ctr"/>
@@ -5292,16 +5298,19 @@
               <a:gd name="adj1" fmla="val 50000"/>
             </a:avLst>
           </a:prstGeom>
+          <a:ln>
+            <a:prstDash val="sysDash"/>
+          </a:ln>
         </p:spPr>
         <p:style>
           <a:lnRef idx="1">
-            <a:schemeClr val="dk1"/>
+            <a:schemeClr val="accent1"/>
           </a:lnRef>
           <a:fillRef idx="0">
-            <a:schemeClr val="dk1"/>
+            <a:schemeClr val="accent1"/>
           </a:fillRef>
           <a:effectRef idx="0">
-            <a:schemeClr val="dk1"/>
+            <a:schemeClr val="accent1"/>
           </a:effectRef>
           <a:fontRef idx="minor">
             <a:schemeClr val="tx1"/>
@@ -5547,112 +5556,94 @@
           </a:graphicData>
         </a:graphic>
       </p:graphicFrame>
-      <p:grpSp>
-        <p:nvGrpSpPr>
-          <p:cNvPr id="2" name="组合 1">
+      <p:cxnSp>
+        <p:nvCxnSpPr>
+          <p:cNvPr id="31" name="直接连接符 30">
             <a:extLst>
               <a:ext uri="{FF2B5EF4-FFF2-40B4-BE49-F238E27FC236}">
-                <a16:creationId xmlns:a16="http://schemas.microsoft.com/office/drawing/2014/main" id="{3E731570-84DA-46D4-A9AB-A03BC6DF6327}"/>
+                <a16:creationId xmlns:a16="http://schemas.microsoft.com/office/drawing/2014/main" id="{3C41009E-ACFF-48A9-9228-B86410FE654A}"/>
               </a:ext>
             </a:extLst>
           </p:cNvPr>
-          <p:cNvGrpSpPr/>
+          <p:cNvCxnSpPr>
+            <a:cxnSpLocks/>
+            <a:stCxn id="48" idx="2"/>
+          </p:cNvCxnSpPr>
           <p:nvPr/>
-        </p:nvGrpSpPr>
-        <p:grpSpPr>
+        </p:nvCxnSpPr>
+        <p:spPr>
           <a:xfrm>
-            <a:off x="10568843" y="5032880"/>
-            <a:ext cx="100082" cy="889691"/>
-            <a:chOff x="10568843" y="5032880"/>
-            <a:chExt cx="100082" cy="889691"/>
+            <a:off x="10618885" y="5032880"/>
+            <a:ext cx="0" cy="779414"/>
           </a:xfrm>
-        </p:grpSpPr>
-        <p:cxnSp>
-          <p:nvCxnSpPr>
-            <p:cNvPr id="31" name="直接连接符 30">
-              <a:extLst>
-                <a:ext uri="{FF2B5EF4-FFF2-40B4-BE49-F238E27FC236}">
-                  <a16:creationId xmlns:a16="http://schemas.microsoft.com/office/drawing/2014/main" id="{3C41009E-ACFF-48A9-9228-B86410FE654A}"/>
-                </a:ext>
-              </a:extLst>
-            </p:cNvPr>
-            <p:cNvCxnSpPr>
-              <a:cxnSpLocks/>
-              <a:stCxn id="48" idx="2"/>
-            </p:cNvCxnSpPr>
-            <p:nvPr/>
-          </p:nvCxnSpPr>
-          <p:spPr>
-            <a:xfrm>
-              <a:off x="10618885" y="5032880"/>
-              <a:ext cx="0" cy="779414"/>
-            </a:xfrm>
-            <a:prstGeom prst="line">
-              <a:avLst/>
-            </a:prstGeom>
-          </p:spPr>
-          <p:style>
-            <a:lnRef idx="1">
-              <a:schemeClr val="dk1"/>
-            </a:lnRef>
-            <a:fillRef idx="0">
-              <a:schemeClr val="dk1"/>
-            </a:fillRef>
-            <a:effectRef idx="0">
-              <a:schemeClr val="dk1"/>
-            </a:effectRef>
-            <a:fontRef idx="minor">
-              <a:schemeClr val="tx1"/>
-            </a:fontRef>
-          </p:style>
-        </p:cxnSp>
-        <p:sp>
-          <p:nvSpPr>
-            <p:cNvPr id="32" name="椭圆 31">
-              <a:extLst>
-                <a:ext uri="{FF2B5EF4-FFF2-40B4-BE49-F238E27FC236}">
-                  <a16:creationId xmlns:a16="http://schemas.microsoft.com/office/drawing/2014/main" id="{2EBBA7C7-FE03-4645-997B-374DFD1466A2}"/>
-                </a:ext>
-              </a:extLst>
-            </p:cNvPr>
-            <p:cNvSpPr/>
-            <p:nvPr/>
-          </p:nvSpPr>
-          <p:spPr>
-            <a:xfrm>
-              <a:off x="10568843" y="5811394"/>
-              <a:ext cx="100082" cy="111177"/>
-            </a:xfrm>
-            <a:prstGeom prst="ellipse">
-              <a:avLst/>
-            </a:prstGeom>
-          </p:spPr>
-          <p:style>
-            <a:lnRef idx="2">
-              <a:schemeClr val="accent1">
-                <a:shade val="50000"/>
-              </a:schemeClr>
-            </a:lnRef>
-            <a:fillRef idx="1">
-              <a:schemeClr val="accent1"/>
-            </a:fillRef>
-            <a:effectRef idx="0">
-              <a:schemeClr val="accent1"/>
-            </a:effectRef>
-            <a:fontRef idx="minor">
-              <a:schemeClr val="lt1"/>
-            </a:fontRef>
-          </p:style>
-          <p:txBody>
-            <a:bodyPr rtlCol="0" anchor="ctr"/>
-            <a:lstStyle/>
-            <a:p>
-              <a:pPr algn="ctr"/>
-              <a:endParaRPr lang="zh-CN" altLang="en-US"/>
-            </a:p>
-          </p:txBody>
-        </p:sp>
-      </p:grpSp>
+          <a:prstGeom prst="line">
+            <a:avLst/>
+          </a:prstGeom>
+          <a:ln>
+            <a:prstDash val="sysDash"/>
+          </a:ln>
+        </p:spPr>
+        <p:style>
+          <a:lnRef idx="1">
+            <a:schemeClr val="accent1"/>
+          </a:lnRef>
+          <a:fillRef idx="0">
+            <a:schemeClr val="accent1"/>
+          </a:fillRef>
+          <a:effectRef idx="0">
+            <a:schemeClr val="accent1"/>
+          </a:effectRef>
+          <a:fontRef idx="minor">
+            <a:schemeClr val="tx1"/>
+          </a:fontRef>
+        </p:style>
+      </p:cxnSp>
+      <p:sp>
+        <p:nvSpPr>
+          <p:cNvPr id="32" name="椭圆 31">
+            <a:extLst>
+              <a:ext uri="{FF2B5EF4-FFF2-40B4-BE49-F238E27FC236}">
+                <a16:creationId xmlns:a16="http://schemas.microsoft.com/office/drawing/2014/main" id="{2EBBA7C7-FE03-4645-997B-374DFD1466A2}"/>
+              </a:ext>
+            </a:extLst>
+          </p:cNvPr>
+          <p:cNvSpPr/>
+          <p:nvPr/>
+        </p:nvSpPr>
+        <p:spPr>
+          <a:xfrm>
+            <a:off x="10568843" y="5811394"/>
+            <a:ext cx="100082" cy="111177"/>
+          </a:xfrm>
+          <a:prstGeom prst="ellipse">
+            <a:avLst/>
+          </a:prstGeom>
+        </p:spPr>
+        <p:style>
+          <a:lnRef idx="2">
+            <a:schemeClr val="accent1">
+              <a:shade val="50000"/>
+            </a:schemeClr>
+          </a:lnRef>
+          <a:fillRef idx="1">
+            <a:schemeClr val="accent1"/>
+          </a:fillRef>
+          <a:effectRef idx="0">
+            <a:schemeClr val="accent1"/>
+          </a:effectRef>
+          <a:fontRef idx="minor">
+            <a:schemeClr val="lt1"/>
+          </a:fontRef>
+        </p:style>
+        <p:txBody>
+          <a:bodyPr rtlCol="0" anchor="ctr"/>
+          <a:lstStyle/>
+          <a:p>
+            <a:pPr algn="ctr"/>
+            <a:endParaRPr lang="zh-CN" altLang="en-US"/>
+          </a:p>
+        </p:txBody>
+      </p:sp>
       <p:graphicFrame>
         <p:nvGraphicFramePr>
           <p:cNvPr id="27" name="表格 26">
@@ -5668,7 +5659,7 @@
           <p:nvPr>
             <p:extLst>
               <p:ext uri="{D42A27DB-BD31-4B8C-83A1-F6EECF244321}">
-                <p14:modId xmlns:p14="http://schemas.microsoft.com/office/powerpoint/2010/main" val="1271856464"/>
+                <p14:modId xmlns:p14="http://schemas.microsoft.com/office/powerpoint/2010/main" val="3278668076"/>
               </p:ext>
             </p:extLst>
           </p:nvPr>
@@ -5701,7 +5692,7 @@
                       <a:pPr algn="ctr"/>
                       <a:r>
                         <a:rPr lang="zh-CN" altLang="en-US" dirty="0"/>
-                        <a:t>课程签到</a:t>
+                        <a:t>课程签到码</a:t>
                       </a:r>
                       <a:endParaRPr lang="en-US" altLang="zh-CN" dirty="0"/>
                     </a:p>
@@ -5805,111 +5796,93 @@
           </a:graphicData>
         </a:graphic>
       </p:graphicFrame>
-      <p:grpSp>
-        <p:nvGrpSpPr>
-          <p:cNvPr id="33" name="组合 32">
+      <p:cxnSp>
+        <p:nvCxnSpPr>
+          <p:cNvPr id="34" name="直接连接符 33">
             <a:extLst>
               <a:ext uri="{FF2B5EF4-FFF2-40B4-BE49-F238E27FC236}">
-                <a16:creationId xmlns:a16="http://schemas.microsoft.com/office/drawing/2014/main" id="{1E8F1D79-28FB-41A2-833A-3EAE2ABD4315}"/>
+                <a16:creationId xmlns:a16="http://schemas.microsoft.com/office/drawing/2014/main" id="{DE602562-219C-4047-B31E-D818906EC5F8}"/>
               </a:ext>
             </a:extLst>
           </p:cNvPr>
-          <p:cNvGrpSpPr/>
+          <p:cNvCxnSpPr>
+            <a:cxnSpLocks/>
+          </p:cNvCxnSpPr>
           <p:nvPr/>
-        </p:nvGrpSpPr>
-        <p:grpSpPr>
+        </p:nvCxnSpPr>
+        <p:spPr>
           <a:xfrm rot="5400000">
-            <a:off x="9067274" y="2966170"/>
-            <a:ext cx="129446" cy="1320443"/>
-            <a:chOff x="10568843" y="5032880"/>
-            <a:chExt cx="100082" cy="889691"/>
+            <a:off x="9213831" y="3048005"/>
+            <a:ext cx="1" cy="1156774"/>
           </a:xfrm>
-        </p:grpSpPr>
-        <p:cxnSp>
-          <p:nvCxnSpPr>
-            <p:cNvPr id="34" name="直接连接符 33">
-              <a:extLst>
-                <a:ext uri="{FF2B5EF4-FFF2-40B4-BE49-F238E27FC236}">
-                  <a16:creationId xmlns:a16="http://schemas.microsoft.com/office/drawing/2014/main" id="{DE602562-219C-4047-B31E-D818906EC5F8}"/>
-                </a:ext>
-              </a:extLst>
-            </p:cNvPr>
-            <p:cNvCxnSpPr>
-              <a:cxnSpLocks/>
-            </p:cNvCxnSpPr>
-            <p:nvPr/>
-          </p:nvCxnSpPr>
-          <p:spPr>
-            <a:xfrm>
-              <a:off x="10618884" y="5032880"/>
-              <a:ext cx="1" cy="779414"/>
-            </a:xfrm>
-            <a:prstGeom prst="line">
-              <a:avLst/>
-            </a:prstGeom>
-          </p:spPr>
-          <p:style>
-            <a:lnRef idx="1">
-              <a:schemeClr val="dk1"/>
-            </a:lnRef>
-            <a:fillRef idx="0">
-              <a:schemeClr val="dk1"/>
-            </a:fillRef>
-            <a:effectRef idx="0">
-              <a:schemeClr val="dk1"/>
-            </a:effectRef>
-            <a:fontRef idx="minor">
-              <a:schemeClr val="tx1"/>
-            </a:fontRef>
-          </p:style>
-        </p:cxnSp>
-        <p:sp>
-          <p:nvSpPr>
-            <p:cNvPr id="35" name="椭圆 34">
-              <a:extLst>
-                <a:ext uri="{FF2B5EF4-FFF2-40B4-BE49-F238E27FC236}">
-                  <a16:creationId xmlns:a16="http://schemas.microsoft.com/office/drawing/2014/main" id="{C2CDCDA4-5B39-49EA-A559-30730289DCDD}"/>
-                </a:ext>
-              </a:extLst>
-            </p:cNvPr>
-            <p:cNvSpPr/>
-            <p:nvPr/>
-          </p:nvSpPr>
-          <p:spPr>
-            <a:xfrm>
-              <a:off x="10568843" y="5811394"/>
-              <a:ext cx="100082" cy="111177"/>
-            </a:xfrm>
-            <a:prstGeom prst="ellipse">
-              <a:avLst/>
-            </a:prstGeom>
-          </p:spPr>
-          <p:style>
-            <a:lnRef idx="2">
-              <a:schemeClr val="accent1">
-                <a:shade val="50000"/>
-              </a:schemeClr>
-            </a:lnRef>
-            <a:fillRef idx="1">
-              <a:schemeClr val="accent1"/>
-            </a:fillRef>
-            <a:effectRef idx="0">
-              <a:schemeClr val="accent1"/>
-            </a:effectRef>
-            <a:fontRef idx="minor">
-              <a:schemeClr val="lt1"/>
-            </a:fontRef>
-          </p:style>
-          <p:txBody>
-            <a:bodyPr rtlCol="0" anchor="ctr"/>
-            <a:lstStyle/>
-            <a:p>
-              <a:pPr algn="ctr"/>
-              <a:endParaRPr lang="zh-CN" altLang="en-US"/>
-            </a:p>
-          </p:txBody>
-        </p:sp>
-      </p:grpSp>
+          <a:prstGeom prst="line">
+            <a:avLst/>
+          </a:prstGeom>
+          <a:ln>
+            <a:prstDash val="sysDash"/>
+          </a:ln>
+        </p:spPr>
+        <p:style>
+          <a:lnRef idx="1">
+            <a:schemeClr val="accent1"/>
+          </a:lnRef>
+          <a:fillRef idx="0">
+            <a:schemeClr val="accent1"/>
+          </a:fillRef>
+          <a:effectRef idx="0">
+            <a:schemeClr val="accent1"/>
+          </a:effectRef>
+          <a:fontRef idx="minor">
+            <a:schemeClr val="tx1"/>
+          </a:fontRef>
+        </p:style>
+      </p:cxnSp>
+      <p:sp>
+        <p:nvSpPr>
+          <p:cNvPr id="35" name="椭圆 34">
+            <a:extLst>
+              <a:ext uri="{FF2B5EF4-FFF2-40B4-BE49-F238E27FC236}">
+                <a16:creationId xmlns:a16="http://schemas.microsoft.com/office/drawing/2014/main" id="{C2CDCDA4-5B39-49EA-A559-30730289DCDD}"/>
+              </a:ext>
+            </a:extLst>
+          </p:cNvPr>
+          <p:cNvSpPr/>
+          <p:nvPr/>
+        </p:nvSpPr>
+        <p:spPr>
+          <a:xfrm rot="5400000">
+            <a:off x="8489555" y="3543889"/>
+            <a:ext cx="129446" cy="165004"/>
+          </a:xfrm>
+          <a:prstGeom prst="ellipse">
+            <a:avLst/>
+          </a:prstGeom>
+        </p:spPr>
+        <p:style>
+          <a:lnRef idx="2">
+            <a:schemeClr val="accent1">
+              <a:shade val="50000"/>
+            </a:schemeClr>
+          </a:lnRef>
+          <a:fillRef idx="1">
+            <a:schemeClr val="accent1"/>
+          </a:fillRef>
+          <a:effectRef idx="0">
+            <a:schemeClr val="accent1"/>
+          </a:effectRef>
+          <a:fontRef idx="minor">
+            <a:schemeClr val="lt1"/>
+          </a:fontRef>
+        </p:style>
+        <p:txBody>
+          <a:bodyPr rtlCol="0" anchor="ctr"/>
+          <a:lstStyle/>
+          <a:p>
+            <a:pPr algn="ctr"/>
+            <a:endParaRPr lang="zh-CN" altLang="en-US"/>
+          </a:p>
+        </p:txBody>
+      </p:sp>
       <p:cxnSp>
         <p:nvCxnSpPr>
           <p:cNvPr id="37" name="直接连接符 36">
@@ -6599,10 +6572,10 @@
       </p:grpSp>
       <p:cxnSp>
         <p:nvCxnSpPr>
-          <p:cNvPr id="55" name="连接符: 肘形 54">
+          <p:cNvPr id="57" name="直接连接符 56">
             <a:extLst>
               <a:ext uri="{FF2B5EF4-FFF2-40B4-BE49-F238E27FC236}">
-                <a16:creationId xmlns:a16="http://schemas.microsoft.com/office/drawing/2014/main" id="{67E5A168-0054-4FAA-BB09-11BECE97B1CE}"/>
+                <a16:creationId xmlns:a16="http://schemas.microsoft.com/office/drawing/2014/main" id="{B6C57347-8827-42FF-AA97-70E84230F181}"/>
               </a:ext>
             </a:extLst>
           </p:cNvPr>
@@ -6612,136 +6585,520 @@
           <p:nvPr/>
         </p:nvCxnSpPr>
         <p:spPr>
-          <a:xfrm rot="5400000">
-            <a:off x="1307595" y="4672128"/>
-            <a:ext cx="3136323" cy="12700"/>
+          <a:xfrm rot="16200000">
+            <a:off x="4569247" y="5914195"/>
+            <a:ext cx="1" cy="754914"/>
           </a:xfrm>
-          <a:prstGeom prst="bentConnector3">
-            <a:avLst>
-              <a:gd name="adj1" fmla="val 50000"/>
-            </a:avLst>
+          <a:prstGeom prst="line">
+            <a:avLst/>
           </a:prstGeom>
+          <a:ln>
+            <a:prstDash val="sysDash"/>
+          </a:ln>
         </p:spPr>
         <p:style>
           <a:lnRef idx="1">
-            <a:schemeClr val="dk1"/>
+            <a:schemeClr val="accent1"/>
           </a:lnRef>
           <a:fillRef idx="0">
-            <a:schemeClr val="dk1"/>
+            <a:schemeClr val="accent1"/>
           </a:fillRef>
           <a:effectRef idx="0">
-            <a:schemeClr val="dk1"/>
+            <a:schemeClr val="accent1"/>
           </a:effectRef>
           <a:fontRef idx="minor">
             <a:schemeClr val="tx1"/>
           </a:fontRef>
         </p:style>
       </p:cxnSp>
-      <p:grpSp>
-        <p:nvGrpSpPr>
-          <p:cNvPr id="56" name="组合 55">
+      <p:sp>
+        <p:nvSpPr>
+          <p:cNvPr id="58" name="椭圆 57">
             <a:extLst>
               <a:ext uri="{FF2B5EF4-FFF2-40B4-BE49-F238E27FC236}">
-                <a16:creationId xmlns:a16="http://schemas.microsoft.com/office/drawing/2014/main" id="{B1E4ACDD-4598-4631-B264-677246878ABE}"/>
+                <a16:creationId xmlns:a16="http://schemas.microsoft.com/office/drawing/2014/main" id="{7BFB4F20-6776-44A4-ADF4-D698AEE02D5C}"/>
               </a:ext>
             </a:extLst>
           </p:cNvPr>
-          <p:cNvGrpSpPr/>
+          <p:cNvSpPr/>
           <p:nvPr/>
-        </p:nvGrpSpPr>
-        <p:grpSpPr>
+        </p:nvSpPr>
+        <p:spPr>
           <a:xfrm rot="16200000">
-            <a:off x="3823306" y="5177741"/>
-            <a:ext cx="196584" cy="2125098"/>
-            <a:chOff x="10568843" y="5032880"/>
-            <a:chExt cx="100082" cy="889691"/>
+            <a:off x="4952745" y="6237811"/>
+            <a:ext cx="93858" cy="107682"/>
           </a:xfrm>
-        </p:grpSpPr>
-        <p:cxnSp>
-          <p:nvCxnSpPr>
-            <p:cNvPr id="57" name="直接连接符 56">
-              <a:extLst>
-                <a:ext uri="{FF2B5EF4-FFF2-40B4-BE49-F238E27FC236}">
-                  <a16:creationId xmlns:a16="http://schemas.microsoft.com/office/drawing/2014/main" id="{B6C57347-8827-42FF-AA97-70E84230F181}"/>
-                </a:ext>
-              </a:extLst>
-            </p:cNvPr>
-            <p:cNvCxnSpPr>
-              <a:cxnSpLocks/>
-            </p:cNvCxnSpPr>
-            <p:nvPr/>
-          </p:nvCxnSpPr>
-          <p:spPr>
-            <a:xfrm>
-              <a:off x="10618884" y="5032880"/>
-              <a:ext cx="1" cy="779414"/>
-            </a:xfrm>
-            <a:prstGeom prst="line">
-              <a:avLst/>
-            </a:prstGeom>
-          </p:spPr>
-          <p:style>
-            <a:lnRef idx="1">
-              <a:schemeClr val="dk1"/>
-            </a:lnRef>
-            <a:fillRef idx="0">
-              <a:schemeClr val="dk1"/>
-            </a:fillRef>
-            <a:effectRef idx="0">
-              <a:schemeClr val="dk1"/>
-            </a:effectRef>
-            <a:fontRef idx="minor">
-              <a:schemeClr val="tx1"/>
-            </a:fontRef>
-          </p:style>
-        </p:cxnSp>
-        <p:sp>
-          <p:nvSpPr>
-            <p:cNvPr id="58" name="椭圆 57">
-              <a:extLst>
-                <a:ext uri="{FF2B5EF4-FFF2-40B4-BE49-F238E27FC236}">
-                  <a16:creationId xmlns:a16="http://schemas.microsoft.com/office/drawing/2014/main" id="{7BFB4F20-6776-44A4-ADF4-D698AEE02D5C}"/>
-                </a:ext>
-              </a:extLst>
-            </p:cNvPr>
-            <p:cNvSpPr/>
-            <p:nvPr/>
-          </p:nvSpPr>
-          <p:spPr>
-            <a:xfrm>
-              <a:off x="10568843" y="5811394"/>
-              <a:ext cx="100082" cy="111177"/>
-            </a:xfrm>
-            <a:prstGeom prst="ellipse">
-              <a:avLst/>
-            </a:prstGeom>
-          </p:spPr>
-          <p:style>
-            <a:lnRef idx="2">
-              <a:schemeClr val="accent1">
-                <a:shade val="50000"/>
-              </a:schemeClr>
-            </a:lnRef>
-            <a:fillRef idx="1">
-              <a:schemeClr val="accent1"/>
-            </a:fillRef>
-            <a:effectRef idx="0">
-              <a:schemeClr val="accent1"/>
-            </a:effectRef>
-            <a:fontRef idx="minor">
-              <a:schemeClr val="lt1"/>
-            </a:fontRef>
-          </p:style>
-          <p:txBody>
-            <a:bodyPr rtlCol="0" anchor="ctr"/>
-            <a:lstStyle/>
-            <a:p>
-              <a:pPr algn="ctr"/>
-              <a:endParaRPr lang="zh-CN" altLang="en-US"/>
-            </a:p>
-          </p:txBody>
-        </p:sp>
-      </p:grpSp>
+          <a:prstGeom prst="ellipse">
+            <a:avLst/>
+          </a:prstGeom>
+        </p:spPr>
+        <p:style>
+          <a:lnRef idx="2">
+            <a:schemeClr val="accent1">
+              <a:shade val="50000"/>
+            </a:schemeClr>
+          </a:lnRef>
+          <a:fillRef idx="1">
+            <a:schemeClr val="accent1"/>
+          </a:fillRef>
+          <a:effectRef idx="0">
+            <a:schemeClr val="accent1"/>
+          </a:effectRef>
+          <a:fontRef idx="minor">
+            <a:schemeClr val="lt1"/>
+          </a:fontRef>
+        </p:style>
+        <p:txBody>
+          <a:bodyPr rtlCol="0" anchor="ctr"/>
+          <a:lstStyle/>
+          <a:p>
+            <a:pPr algn="ctr"/>
+            <a:endParaRPr lang="zh-CN" altLang="en-US"/>
+          </a:p>
+        </p:txBody>
+      </p:sp>
+      <p:sp>
+        <p:nvSpPr>
+          <p:cNvPr id="3" name="文本框 2">
+            <a:extLst>
+              <a:ext uri="{FF2B5EF4-FFF2-40B4-BE49-F238E27FC236}">
+                <a16:creationId xmlns:a16="http://schemas.microsoft.com/office/drawing/2014/main" id="{10CFF4B3-008D-4E8F-B895-CCE698DC497A}"/>
+              </a:ext>
+            </a:extLst>
+          </p:cNvPr>
+          <p:cNvSpPr txBox="1"/>
+          <p:nvPr/>
+        </p:nvSpPr>
+        <p:spPr>
+          <a:xfrm>
+            <a:off x="172236" y="2908542"/>
+            <a:ext cx="1318109" cy="380232"/>
+          </a:xfrm>
+          <a:prstGeom prst="rect">
+            <a:avLst/>
+          </a:prstGeom>
+          <a:noFill/>
+        </p:spPr>
+        <p:txBody>
+          <a:bodyPr wrap="square" rtlCol="0">
+            <a:spAutoFit/>
+          </a:bodyPr>
+          <a:lstStyle/>
+          <a:p>
+            <a:r>
+              <a:rPr lang="zh-CN" altLang="en-US" dirty="0"/>
+              <a:t>添加</a:t>
+            </a:r>
+            <a:r>
+              <a:rPr lang="en-US" altLang="zh-CN" dirty="0"/>
+              <a:t>…</a:t>
+            </a:r>
+            <a:endParaRPr lang="zh-CN" altLang="en-US" dirty="0"/>
+          </a:p>
+        </p:txBody>
+      </p:sp>
+      <p:sp>
+        <p:nvSpPr>
+          <p:cNvPr id="59" name="文本框 58">
+            <a:extLst>
+              <a:ext uri="{FF2B5EF4-FFF2-40B4-BE49-F238E27FC236}">
+                <a16:creationId xmlns:a16="http://schemas.microsoft.com/office/drawing/2014/main" id="{FC1F704F-F50C-4046-9BE5-CDFB77BBF804}"/>
+              </a:ext>
+            </a:extLst>
+          </p:cNvPr>
+          <p:cNvSpPr txBox="1"/>
+          <p:nvPr/>
+        </p:nvSpPr>
+        <p:spPr>
+          <a:xfrm>
+            <a:off x="3310758" y="2679138"/>
+            <a:ext cx="1318109" cy="380232"/>
+          </a:xfrm>
+          <a:prstGeom prst="rect">
+            <a:avLst/>
+          </a:prstGeom>
+          <a:noFill/>
+        </p:spPr>
+        <p:txBody>
+          <a:bodyPr wrap="square" rtlCol="0">
+            <a:spAutoFit/>
+          </a:bodyPr>
+          <a:lstStyle/>
+          <a:p>
+            <a:r>
+              <a:rPr lang="zh-CN" altLang="en-US" dirty="0"/>
+              <a:t>进行</a:t>
+            </a:r>
+            <a:r>
+              <a:rPr lang="en-US" altLang="zh-CN" dirty="0"/>
+              <a:t>…</a:t>
+            </a:r>
+            <a:endParaRPr lang="zh-CN" altLang="en-US" dirty="0"/>
+          </a:p>
+        </p:txBody>
+      </p:sp>
+      <p:sp>
+        <p:nvSpPr>
+          <p:cNvPr id="60" name="文本框 59">
+            <a:extLst>
+              <a:ext uri="{FF2B5EF4-FFF2-40B4-BE49-F238E27FC236}">
+                <a16:creationId xmlns:a16="http://schemas.microsoft.com/office/drawing/2014/main" id="{E1923760-2027-4D8A-91EB-4BCEFB2EA0EF}"/>
+              </a:ext>
+            </a:extLst>
+          </p:cNvPr>
+          <p:cNvSpPr txBox="1"/>
+          <p:nvPr/>
+        </p:nvSpPr>
+        <p:spPr>
+          <a:xfrm>
+            <a:off x="2651704" y="948730"/>
+            <a:ext cx="1318109" cy="380232"/>
+          </a:xfrm>
+          <a:prstGeom prst="rect">
+            <a:avLst/>
+          </a:prstGeom>
+          <a:noFill/>
+        </p:spPr>
+        <p:txBody>
+          <a:bodyPr wrap="square" rtlCol="0">
+            <a:spAutoFit/>
+          </a:bodyPr>
+          <a:lstStyle/>
+          <a:p>
+            <a:r>
+              <a:rPr lang="zh-CN" altLang="en-US" dirty="0"/>
+              <a:t>进行</a:t>
+            </a:r>
+            <a:r>
+              <a:rPr lang="en-US" altLang="zh-CN" dirty="0"/>
+              <a:t>…</a:t>
+            </a:r>
+            <a:endParaRPr lang="zh-CN" altLang="en-US" dirty="0"/>
+          </a:p>
+        </p:txBody>
+      </p:sp>
+      <p:sp>
+        <p:nvSpPr>
+          <p:cNvPr id="61" name="文本框 60">
+            <a:extLst>
+              <a:ext uri="{FF2B5EF4-FFF2-40B4-BE49-F238E27FC236}">
+                <a16:creationId xmlns:a16="http://schemas.microsoft.com/office/drawing/2014/main" id="{19742521-C7BC-44E5-B9D3-4FD39EA19ED1}"/>
+              </a:ext>
+            </a:extLst>
+          </p:cNvPr>
+          <p:cNvSpPr txBox="1"/>
+          <p:nvPr/>
+        </p:nvSpPr>
+        <p:spPr>
+          <a:xfrm>
+            <a:off x="6156312" y="921696"/>
+            <a:ext cx="1318109" cy="380232"/>
+          </a:xfrm>
+          <a:prstGeom prst="rect">
+            <a:avLst/>
+          </a:prstGeom>
+          <a:noFill/>
+        </p:spPr>
+        <p:txBody>
+          <a:bodyPr wrap="square" rtlCol="0">
+            <a:spAutoFit/>
+          </a:bodyPr>
+          <a:lstStyle/>
+          <a:p>
+            <a:r>
+              <a:rPr lang="zh-CN" altLang="en-US" dirty="0"/>
+              <a:t>提供</a:t>
+            </a:r>
+            <a:r>
+              <a:rPr lang="en-US" altLang="zh-CN" dirty="0"/>
+              <a:t>…</a:t>
+            </a:r>
+            <a:endParaRPr lang="zh-CN" altLang="en-US" dirty="0"/>
+          </a:p>
+        </p:txBody>
+      </p:sp>
+      <p:cxnSp>
+        <p:nvCxnSpPr>
+          <p:cNvPr id="5" name="直接连接符 4">
+            <a:extLst>
+              <a:ext uri="{FF2B5EF4-FFF2-40B4-BE49-F238E27FC236}">
+                <a16:creationId xmlns:a16="http://schemas.microsoft.com/office/drawing/2014/main" id="{CD33A406-77EB-4C68-B1B0-859AED21E367}"/>
+              </a:ext>
+            </a:extLst>
+          </p:cNvPr>
+          <p:cNvCxnSpPr>
+            <a:cxnSpLocks/>
+            <a:endCxn id="50" idx="2"/>
+          </p:cNvCxnSpPr>
+          <p:nvPr/>
+        </p:nvCxnSpPr>
+        <p:spPr>
+          <a:xfrm flipV="1">
+            <a:off x="4191791" y="5450909"/>
+            <a:ext cx="0" cy="840740"/>
+          </a:xfrm>
+          <a:prstGeom prst="line">
+            <a:avLst/>
+          </a:prstGeom>
+          <a:ln>
+            <a:prstDash val="sysDash"/>
+          </a:ln>
+        </p:spPr>
+        <p:style>
+          <a:lnRef idx="1">
+            <a:schemeClr val="accent1"/>
+          </a:lnRef>
+          <a:fillRef idx="0">
+            <a:schemeClr val="accent1"/>
+          </a:fillRef>
+          <a:effectRef idx="0">
+            <a:schemeClr val="accent1"/>
+          </a:effectRef>
+          <a:fontRef idx="minor">
+            <a:schemeClr val="tx1"/>
+          </a:fontRef>
+        </p:style>
+      </p:cxnSp>
+      <p:sp>
+        <p:nvSpPr>
+          <p:cNvPr id="62" name="文本框 61">
+            <a:extLst>
+              <a:ext uri="{FF2B5EF4-FFF2-40B4-BE49-F238E27FC236}">
+                <a16:creationId xmlns:a16="http://schemas.microsoft.com/office/drawing/2014/main" id="{0794B646-1B5C-4749-8BD3-8F955D0DCC05}"/>
+              </a:ext>
+            </a:extLst>
+          </p:cNvPr>
+          <p:cNvSpPr txBox="1"/>
+          <p:nvPr/>
+        </p:nvSpPr>
+        <p:spPr>
+          <a:xfrm>
+            <a:off x="9124631" y="4932278"/>
+            <a:ext cx="1318109" cy="380232"/>
+          </a:xfrm>
+          <a:prstGeom prst="rect">
+            <a:avLst/>
+          </a:prstGeom>
+          <a:noFill/>
+        </p:spPr>
+        <p:txBody>
+          <a:bodyPr wrap="square" rtlCol="0">
+            <a:spAutoFit/>
+          </a:bodyPr>
+          <a:lstStyle/>
+          <a:p>
+            <a:r>
+              <a:rPr lang="zh-CN" altLang="en-US" dirty="0"/>
+              <a:t>拥有</a:t>
+            </a:r>
+            <a:r>
+              <a:rPr lang="en-US" altLang="zh-CN" dirty="0"/>
+              <a:t>…</a:t>
+            </a:r>
+            <a:endParaRPr lang="zh-CN" altLang="en-US" dirty="0"/>
+          </a:p>
+        </p:txBody>
+      </p:sp>
+      <p:sp>
+        <p:nvSpPr>
+          <p:cNvPr id="63" name="文本框 62">
+            <a:extLst>
+              <a:ext uri="{FF2B5EF4-FFF2-40B4-BE49-F238E27FC236}">
+                <a16:creationId xmlns:a16="http://schemas.microsoft.com/office/drawing/2014/main" id="{786A3087-591B-4B7C-B7B4-4DA9638329E0}"/>
+              </a:ext>
+            </a:extLst>
+          </p:cNvPr>
+          <p:cNvSpPr txBox="1"/>
+          <p:nvPr/>
+        </p:nvSpPr>
+        <p:spPr>
+          <a:xfrm>
+            <a:off x="10668925" y="5196289"/>
+            <a:ext cx="1318109" cy="380232"/>
+          </a:xfrm>
+          <a:prstGeom prst="rect">
+            <a:avLst/>
+          </a:prstGeom>
+          <a:noFill/>
+        </p:spPr>
+        <p:txBody>
+          <a:bodyPr wrap="square" rtlCol="0">
+            <a:spAutoFit/>
+          </a:bodyPr>
+          <a:lstStyle/>
+          <a:p>
+            <a:r>
+              <a:rPr lang="zh-CN" altLang="en-US" dirty="0"/>
+              <a:t>拥有</a:t>
+            </a:r>
+            <a:r>
+              <a:rPr lang="en-US" altLang="zh-CN" dirty="0"/>
+              <a:t>…</a:t>
+            </a:r>
+            <a:endParaRPr lang="zh-CN" altLang="en-US" dirty="0"/>
+          </a:p>
+        </p:txBody>
+      </p:sp>
+      <p:sp>
+        <p:nvSpPr>
+          <p:cNvPr id="64" name="文本框 63">
+            <a:extLst>
+              <a:ext uri="{FF2B5EF4-FFF2-40B4-BE49-F238E27FC236}">
+                <a16:creationId xmlns:a16="http://schemas.microsoft.com/office/drawing/2014/main" id="{398C7E16-FAF4-47EB-957E-02B64CFE1576}"/>
+              </a:ext>
+            </a:extLst>
+          </p:cNvPr>
+          <p:cNvSpPr txBox="1"/>
+          <p:nvPr/>
+        </p:nvSpPr>
+        <p:spPr>
+          <a:xfrm>
+            <a:off x="3359438" y="5811394"/>
+            <a:ext cx="1318109" cy="380232"/>
+          </a:xfrm>
+          <a:prstGeom prst="rect">
+            <a:avLst/>
+          </a:prstGeom>
+          <a:noFill/>
+        </p:spPr>
+        <p:txBody>
+          <a:bodyPr wrap="square" rtlCol="0">
+            <a:spAutoFit/>
+          </a:bodyPr>
+          <a:lstStyle/>
+          <a:p>
+            <a:r>
+              <a:rPr lang="zh-CN" altLang="en-US" dirty="0"/>
+              <a:t>添加</a:t>
+            </a:r>
+            <a:r>
+              <a:rPr lang="en-US" altLang="zh-CN" dirty="0"/>
+              <a:t>…</a:t>
+            </a:r>
+            <a:endParaRPr lang="zh-CN" altLang="en-US" dirty="0"/>
+          </a:p>
+        </p:txBody>
+      </p:sp>
+      <p:sp>
+        <p:nvSpPr>
+          <p:cNvPr id="65" name="文本框 64">
+            <a:extLst>
+              <a:ext uri="{FF2B5EF4-FFF2-40B4-BE49-F238E27FC236}">
+                <a16:creationId xmlns:a16="http://schemas.microsoft.com/office/drawing/2014/main" id="{937E7307-A0F6-49B9-8F18-71EEAF4C2339}"/>
+              </a:ext>
+            </a:extLst>
+          </p:cNvPr>
+          <p:cNvSpPr txBox="1"/>
+          <p:nvPr/>
+        </p:nvSpPr>
+        <p:spPr>
+          <a:xfrm>
+            <a:off x="8635382" y="3288774"/>
+            <a:ext cx="1318109" cy="380232"/>
+          </a:xfrm>
+          <a:prstGeom prst="rect">
+            <a:avLst/>
+          </a:prstGeom>
+          <a:noFill/>
+        </p:spPr>
+        <p:txBody>
+          <a:bodyPr wrap="square" rtlCol="0">
+            <a:spAutoFit/>
+          </a:bodyPr>
+          <a:lstStyle/>
+          <a:p>
+            <a:r>
+              <a:rPr lang="zh-CN" altLang="en-US" dirty="0"/>
+              <a:t>生成</a:t>
+            </a:r>
+            <a:r>
+              <a:rPr lang="en-US" altLang="zh-CN" dirty="0"/>
+              <a:t>…</a:t>
+            </a:r>
+            <a:endParaRPr lang="zh-CN" altLang="en-US" dirty="0"/>
+          </a:p>
+        </p:txBody>
+      </p:sp>
+      <p:sp>
+        <p:nvSpPr>
+          <p:cNvPr id="66" name="文本框 65">
+            <a:extLst>
+              <a:ext uri="{FF2B5EF4-FFF2-40B4-BE49-F238E27FC236}">
+                <a16:creationId xmlns:a16="http://schemas.microsoft.com/office/drawing/2014/main" id="{20AC1FAF-2308-4E99-9AE2-284D83E1B6AB}"/>
+              </a:ext>
+            </a:extLst>
+          </p:cNvPr>
+          <p:cNvSpPr txBox="1"/>
+          <p:nvPr/>
+        </p:nvSpPr>
+        <p:spPr>
+          <a:xfrm>
+            <a:off x="8449682" y="3945989"/>
+            <a:ext cx="1318109" cy="380232"/>
+          </a:xfrm>
+          <a:prstGeom prst="rect">
+            <a:avLst/>
+          </a:prstGeom>
+          <a:noFill/>
+        </p:spPr>
+        <p:txBody>
+          <a:bodyPr wrap="square" rtlCol="0">
+            <a:spAutoFit/>
+          </a:bodyPr>
+          <a:lstStyle/>
+          <a:p>
+            <a:r>
+              <a:rPr lang="zh-CN" altLang="en-US" dirty="0"/>
+              <a:t>提供</a:t>
+            </a:r>
+            <a:r>
+              <a:rPr lang="en-US" altLang="zh-CN" dirty="0"/>
+              <a:t>…</a:t>
+            </a:r>
+            <a:endParaRPr lang="zh-CN" altLang="en-US" dirty="0"/>
+          </a:p>
+        </p:txBody>
+      </p:sp>
+      <p:sp>
+        <p:nvSpPr>
+          <p:cNvPr id="67" name="文本框 66">
+            <a:extLst>
+              <a:ext uri="{FF2B5EF4-FFF2-40B4-BE49-F238E27FC236}">
+                <a16:creationId xmlns:a16="http://schemas.microsoft.com/office/drawing/2014/main" id="{72DC9843-FF35-4C18-B17D-FCA47124670B}"/>
+              </a:ext>
+            </a:extLst>
+          </p:cNvPr>
+          <p:cNvSpPr txBox="1"/>
+          <p:nvPr/>
+        </p:nvSpPr>
+        <p:spPr>
+          <a:xfrm>
+            <a:off x="6156311" y="4395927"/>
+            <a:ext cx="1318109" cy="380232"/>
+          </a:xfrm>
+          <a:prstGeom prst="rect">
+            <a:avLst/>
+          </a:prstGeom>
+          <a:noFill/>
+        </p:spPr>
+        <p:txBody>
+          <a:bodyPr wrap="square" rtlCol="0">
+            <a:spAutoFit/>
+          </a:bodyPr>
+          <a:lstStyle/>
+          <a:p>
+            <a:r>
+              <a:rPr lang="zh-CN" altLang="en-US" dirty="0"/>
+              <a:t>拥有</a:t>
+            </a:r>
+            <a:r>
+              <a:rPr lang="en-US" altLang="zh-CN" dirty="0"/>
+              <a:t>…</a:t>
+            </a:r>
+            <a:endParaRPr lang="zh-CN" altLang="en-US" dirty="0"/>
+          </a:p>
+        </p:txBody>
+      </p:sp>
     </p:spTree>
     <p:extLst>
       <p:ext uri="{BB962C8B-B14F-4D97-AF65-F5344CB8AC3E}">
